--- a/readme-assets/script-runner.pptx
+++ b/readme-assets/script-runner.pptx
@@ -5,10 +5,12 @@
     <p:sldMasterId id="2147483648" r:id="rId1"/>
   </p:sldMasterIdLst>
   <p:notesMasterIdLst>
-    <p:notesMasterId r:id="rId3"/>
+    <p:notesMasterId r:id="rId5"/>
   </p:notesMasterIdLst>
   <p:sldIdLst>
     <p:sldId id="259" r:id="rId2"/>
+    <p:sldId id="261" r:id="rId3"/>
+    <p:sldId id="260" r:id="rId4"/>
   </p:sldIdLst>
   <p:sldSz cx="12192000" cy="6858000"/>
   <p:notesSz cx="6858000" cy="9144000"/>
@@ -197,7 +199,7 @@
           <a:p>
             <a:fld id="{AF49C63D-5B10-49A0-859E-B3088CEA062B}" type="datetimeFigureOut">
               <a:rPr lang="en-US" smtClean="0"/>
-              <a:t>9/22/2024</a:t>
+              <a:t>9/29/24</a:t>
             </a:fld>
             <a:endParaRPr lang="en-US"/>
           </a:p>
@@ -611,7 +613,7 @@
           <a:p>
             <a:fld id="{C1B48273-B3E4-41EF-A5A4-0D30471FBF73}" type="datetimeFigureOut">
               <a:rPr lang="en-US" smtClean="0"/>
-              <a:t>9/22/2024</a:t>
+              <a:t>9/29/24</a:t>
             </a:fld>
             <a:endParaRPr lang="en-US"/>
           </a:p>
@@ -809,7 +811,7 @@
           <a:p>
             <a:fld id="{C1B48273-B3E4-41EF-A5A4-0D30471FBF73}" type="datetimeFigureOut">
               <a:rPr lang="en-US" smtClean="0"/>
-              <a:t>9/22/2024</a:t>
+              <a:t>9/29/24</a:t>
             </a:fld>
             <a:endParaRPr lang="en-US"/>
           </a:p>
@@ -1017,7 +1019,7 @@
           <a:p>
             <a:fld id="{C1B48273-B3E4-41EF-A5A4-0D30471FBF73}" type="datetimeFigureOut">
               <a:rPr lang="en-US" smtClean="0"/>
-              <a:t>9/22/2024</a:t>
+              <a:t>9/29/24</a:t>
             </a:fld>
             <a:endParaRPr lang="en-US"/>
           </a:p>
@@ -1215,7 +1217,7 @@
           <a:p>
             <a:fld id="{C1B48273-B3E4-41EF-A5A4-0D30471FBF73}" type="datetimeFigureOut">
               <a:rPr lang="en-US" smtClean="0"/>
-              <a:t>9/22/2024</a:t>
+              <a:t>9/29/24</a:t>
             </a:fld>
             <a:endParaRPr lang="en-US"/>
           </a:p>
@@ -1490,7 +1492,7 @@
           <a:p>
             <a:fld id="{C1B48273-B3E4-41EF-A5A4-0D30471FBF73}" type="datetimeFigureOut">
               <a:rPr lang="en-US" smtClean="0"/>
-              <a:t>9/22/2024</a:t>
+              <a:t>9/29/24</a:t>
             </a:fld>
             <a:endParaRPr lang="en-US"/>
           </a:p>
@@ -1755,7 +1757,7 @@
           <a:p>
             <a:fld id="{C1B48273-B3E4-41EF-A5A4-0D30471FBF73}" type="datetimeFigureOut">
               <a:rPr lang="en-US" smtClean="0"/>
-              <a:t>9/22/2024</a:t>
+              <a:t>9/29/24</a:t>
             </a:fld>
             <a:endParaRPr lang="en-US"/>
           </a:p>
@@ -2167,7 +2169,7 @@
           <a:p>
             <a:fld id="{C1B48273-B3E4-41EF-A5A4-0D30471FBF73}" type="datetimeFigureOut">
               <a:rPr lang="en-US" smtClean="0"/>
-              <a:t>9/22/2024</a:t>
+              <a:t>9/29/24</a:t>
             </a:fld>
             <a:endParaRPr lang="en-US"/>
           </a:p>
@@ -2308,7 +2310,7 @@
           <a:p>
             <a:fld id="{C1B48273-B3E4-41EF-A5A4-0D30471FBF73}" type="datetimeFigureOut">
               <a:rPr lang="en-US" smtClean="0"/>
-              <a:t>9/22/2024</a:t>
+              <a:t>9/29/24</a:t>
             </a:fld>
             <a:endParaRPr lang="en-US"/>
           </a:p>
@@ -2421,7 +2423,7 @@
           <a:p>
             <a:fld id="{C1B48273-B3E4-41EF-A5A4-0D30471FBF73}" type="datetimeFigureOut">
               <a:rPr lang="en-US" smtClean="0"/>
-              <a:t>9/22/2024</a:t>
+              <a:t>9/29/24</a:t>
             </a:fld>
             <a:endParaRPr lang="en-US"/>
           </a:p>
@@ -2732,7 +2734,7 @@
           <a:p>
             <a:fld id="{C1B48273-B3E4-41EF-A5A4-0D30471FBF73}" type="datetimeFigureOut">
               <a:rPr lang="en-US" smtClean="0"/>
-              <a:t>9/22/2024</a:t>
+              <a:t>9/29/24</a:t>
             </a:fld>
             <a:endParaRPr lang="en-US"/>
           </a:p>
@@ -3020,7 +3022,7 @@
           <a:p>
             <a:fld id="{C1B48273-B3E4-41EF-A5A4-0D30471FBF73}" type="datetimeFigureOut">
               <a:rPr lang="en-US" smtClean="0"/>
-              <a:t>9/22/2024</a:t>
+              <a:t>9/29/24</a:t>
             </a:fld>
             <a:endParaRPr lang="en-US"/>
           </a:p>
@@ -3261,7 +3263,7 @@
           <a:p>
             <a:fld id="{C1B48273-B3E4-41EF-A5A4-0D30471FBF73}" type="datetimeFigureOut">
               <a:rPr lang="en-US" smtClean="0"/>
-              <a:t>9/22/2024</a:t>
+              <a:t>9/29/24</a:t>
             </a:fld>
             <a:endParaRPr lang="en-US"/>
           </a:p>
@@ -5968,10 +5970,5253 @@
           </a:p>
         </p:txBody>
       </p:sp>
+      <p:pic>
+        <p:nvPicPr>
+          <p:cNvPr id="41" name="image1.png">
+            <a:extLst>
+              <a:ext uri="{FF2B5EF4-FFF2-40B4-BE49-F238E27FC236}">
+                <a16:creationId xmlns:a16="http://schemas.microsoft.com/office/drawing/2014/main" id="{F7539089-5D78-3602-4F6C-9D26C4371FE5}"/>
+              </a:ext>
+            </a:extLst>
+          </p:cNvPr>
+          <p:cNvPicPr/>
+          <p:nvPr/>
+        </p:nvPicPr>
+        <p:blipFill>
+          <a:blip r:embed="rId2"/>
+          <a:srcRect/>
+          <a:stretch>
+            <a:fillRect/>
+          </a:stretch>
+        </p:blipFill>
+        <p:spPr>
+          <a:xfrm>
+            <a:off x="69237" y="6536783"/>
+            <a:ext cx="1149940" cy="270079"/>
+          </a:xfrm>
+          <a:prstGeom prst="rect">
+            <a:avLst/>
+          </a:prstGeom>
+          <a:ln/>
+        </p:spPr>
+      </p:pic>
     </p:spTree>
     <p:extLst>
       <p:ext uri="{BB962C8B-B14F-4D97-AF65-F5344CB8AC3E}">
         <p14:creationId xmlns:p14="http://schemas.microsoft.com/office/powerpoint/2010/main" val="3961275853"/>
+      </p:ext>
+    </p:extLst>
+  </p:cSld>
+  <p:clrMapOvr>
+    <a:masterClrMapping/>
+  </p:clrMapOvr>
+</p:sld>
+</file>
+
+<file path=ppt/slides/slide2.xml><?xml version="1.0" encoding="utf-8"?>
+<p:sld xmlns:a="http://schemas.openxmlformats.org/drawingml/2006/main" xmlns:r="http://schemas.openxmlformats.org/officeDocument/2006/relationships" xmlns:p="http://schemas.openxmlformats.org/presentationml/2006/main">
+  <p:cSld>
+    <p:spTree>
+      <p:nvGrpSpPr>
+        <p:cNvPr id="1" name=""/>
+        <p:cNvGrpSpPr/>
+        <p:nvPr/>
+      </p:nvGrpSpPr>
+      <p:grpSpPr>
+        <a:xfrm>
+          <a:off x="0" y="0"/>
+          <a:ext cx="0" cy="0"/>
+          <a:chOff x="0" y="0"/>
+          <a:chExt cx="0" cy="0"/>
+        </a:xfrm>
+      </p:grpSpPr>
+      <p:grpSp>
+        <p:nvGrpSpPr>
+          <p:cNvPr id="23" name="Group 22">
+            <a:extLst>
+              <a:ext uri="{FF2B5EF4-FFF2-40B4-BE49-F238E27FC236}">
+                <a16:creationId xmlns:a16="http://schemas.microsoft.com/office/drawing/2014/main" id="{B860846E-17F2-C2A3-B6D8-FA84562C3224}"/>
+              </a:ext>
+            </a:extLst>
+          </p:cNvPr>
+          <p:cNvGrpSpPr/>
+          <p:nvPr/>
+        </p:nvGrpSpPr>
+        <p:grpSpPr>
+          <a:xfrm>
+            <a:off x="279717" y="2323406"/>
+            <a:ext cx="2306597" cy="2106137"/>
+            <a:chOff x="127317" y="156750"/>
+            <a:chExt cx="2306597" cy="2106137"/>
+          </a:xfrm>
+        </p:grpSpPr>
+        <p:sp>
+          <p:nvSpPr>
+            <p:cNvPr id="9" name="Rectangle 8">
+              <a:extLst>
+                <a:ext uri="{FF2B5EF4-FFF2-40B4-BE49-F238E27FC236}">
+                  <a16:creationId xmlns:a16="http://schemas.microsoft.com/office/drawing/2014/main" id="{DEF2539F-71B3-1E7D-1F55-5A4259DFA727}"/>
+                </a:ext>
+              </a:extLst>
+            </p:cNvPr>
+            <p:cNvSpPr/>
+            <p:nvPr/>
+          </p:nvSpPr>
+          <p:spPr>
+            <a:xfrm>
+              <a:off x="127319" y="156750"/>
+              <a:ext cx="2306595" cy="2106137"/>
+            </a:xfrm>
+            <a:prstGeom prst="rect">
+              <a:avLst/>
+            </a:prstGeom>
+            <a:noFill/>
+            <a:ln w="3175" cmpd="sng">
+              <a:solidFill>
+                <a:schemeClr val="tx1"/>
+              </a:solidFill>
+              <a:prstDash val="lgDash"/>
+            </a:ln>
+          </p:spPr>
+          <p:style>
+            <a:lnRef idx="2">
+              <a:schemeClr val="accent1">
+                <a:shade val="50000"/>
+              </a:schemeClr>
+            </a:lnRef>
+            <a:fillRef idx="1">
+              <a:schemeClr val="accent1"/>
+            </a:fillRef>
+            <a:effectRef idx="0">
+              <a:schemeClr val="accent1"/>
+            </a:effectRef>
+            <a:fontRef idx="minor">
+              <a:schemeClr val="lt1"/>
+            </a:fontRef>
+          </p:style>
+          <p:txBody>
+            <a:bodyPr rtlCol="0" anchor="ctr"/>
+            <a:lstStyle/>
+            <a:p>
+              <a:pPr algn="ctr"/>
+              <a:endParaRPr lang="en-US" dirty="0"/>
+            </a:p>
+          </p:txBody>
+        </p:sp>
+        <p:sp>
+          <p:nvSpPr>
+            <p:cNvPr id="12" name="TextBox 11">
+              <a:extLst>
+                <a:ext uri="{FF2B5EF4-FFF2-40B4-BE49-F238E27FC236}">
+                  <a16:creationId xmlns:a16="http://schemas.microsoft.com/office/drawing/2014/main" id="{60DB5669-6A9D-347D-8C98-90C003E79A46}"/>
+                </a:ext>
+              </a:extLst>
+            </p:cNvPr>
+            <p:cNvSpPr txBox="1"/>
+            <p:nvPr/>
+          </p:nvSpPr>
+          <p:spPr>
+            <a:xfrm>
+              <a:off x="127319" y="156750"/>
+              <a:ext cx="2306595" cy="261610"/>
+            </a:xfrm>
+            <a:prstGeom prst="rect">
+              <a:avLst/>
+            </a:prstGeom>
+            <a:noFill/>
+          </p:spPr>
+          <p:txBody>
+            <a:bodyPr wrap="square" rtlCol="0">
+              <a:spAutoFit/>
+            </a:bodyPr>
+            <a:lstStyle/>
+            <a:p>
+              <a:r>
+                <a:rPr lang="en-US" sz="1050" i="1" dirty="0"/>
+                <a:t>KAWA Server and Web client</a:t>
+              </a:r>
+            </a:p>
+          </p:txBody>
+        </p:sp>
+        <p:sp>
+          <p:nvSpPr>
+            <p:cNvPr id="13" name="TextBox 12">
+              <a:extLst>
+                <a:ext uri="{FF2B5EF4-FFF2-40B4-BE49-F238E27FC236}">
+                  <a16:creationId xmlns:a16="http://schemas.microsoft.com/office/drawing/2014/main" id="{4E2EC320-0A1D-4B1B-9AE5-2D4C2082E6F6}"/>
+                </a:ext>
+              </a:extLst>
+            </p:cNvPr>
+            <p:cNvSpPr txBox="1"/>
+            <p:nvPr/>
+          </p:nvSpPr>
+          <p:spPr>
+            <a:xfrm>
+              <a:off x="127318" y="416228"/>
+              <a:ext cx="2306595" cy="184666"/>
+            </a:xfrm>
+            <a:prstGeom prst="rect">
+              <a:avLst/>
+            </a:prstGeom>
+            <a:noFill/>
+          </p:spPr>
+          <p:txBody>
+            <a:bodyPr wrap="square" rtlCol="0">
+              <a:spAutoFit/>
+            </a:bodyPr>
+            <a:lstStyle/>
+            <a:p>
+              <a:r>
+                <a:rPr lang="en-US" sz="600" i="1" dirty="0"/>
+                <a:t>Technologies: Java (JDK 21), Angular. </a:t>
+              </a:r>
+            </a:p>
+          </p:txBody>
+        </p:sp>
+        <p:sp>
+          <p:nvSpPr>
+            <p:cNvPr id="14" name="TextBox 13">
+              <a:extLst>
+                <a:ext uri="{FF2B5EF4-FFF2-40B4-BE49-F238E27FC236}">
+                  <a16:creationId xmlns:a16="http://schemas.microsoft.com/office/drawing/2014/main" id="{CD1D8F60-FBD1-1D26-883A-C007788162CE}"/>
+                </a:ext>
+              </a:extLst>
+            </p:cNvPr>
+            <p:cNvSpPr txBox="1"/>
+            <p:nvPr/>
+          </p:nvSpPr>
+          <p:spPr>
+            <a:xfrm>
+              <a:off x="127317" y="600894"/>
+              <a:ext cx="2306595" cy="1661993"/>
+            </a:xfrm>
+            <a:prstGeom prst="rect">
+              <a:avLst/>
+            </a:prstGeom>
+            <a:noFill/>
+          </p:spPr>
+          <p:txBody>
+            <a:bodyPr wrap="square" rtlCol="0">
+              <a:spAutoFit/>
+            </a:bodyPr>
+            <a:lstStyle/>
+            <a:p>
+              <a:r>
+                <a:rPr lang="en-US" sz="600" i="1" dirty="0"/>
+                <a:t>KAWA Server contains the following main modules:</a:t>
+              </a:r>
+              <a:br>
+                <a:rPr lang="en-US" sz="600" i="1" dirty="0"/>
+              </a:br>
+              <a:endParaRPr lang="en-US" sz="600" i="1" dirty="0"/>
+            </a:p>
+            <a:p>
+              <a:pPr marL="171450" indent="-171450">
+                <a:buFontTx/>
+                <a:buChar char="-"/>
+              </a:pPr>
+              <a:r>
+                <a:rPr lang="en-US" sz="600" i="1" dirty="0"/>
+                <a:t>Multi Dialect SQL Generation engine</a:t>
+              </a:r>
+            </a:p>
+            <a:p>
+              <a:pPr marL="171450" indent="-171450">
+                <a:buFontTx/>
+                <a:buChar char="-"/>
+              </a:pPr>
+              <a:r>
+                <a:rPr lang="en-US" sz="600" i="1" dirty="0"/>
+                <a:t> Governance and Security module</a:t>
+              </a:r>
+            </a:p>
+            <a:p>
+              <a:pPr marL="171450" indent="-171450">
+                <a:buFontTx/>
+                <a:buChar char="-"/>
+              </a:pPr>
+              <a:r>
+                <a:rPr lang="en-US" sz="600" i="1" dirty="0"/>
+                <a:t>Scheduler</a:t>
+              </a:r>
+            </a:p>
+            <a:p>
+              <a:pPr marL="171450" indent="-171450">
+                <a:buFontTx/>
+                <a:buChar char="-"/>
+              </a:pPr>
+              <a:r>
+                <a:rPr lang="en-US" sz="600" i="1" dirty="0"/>
+                <a:t>Sharing Module</a:t>
+              </a:r>
+            </a:p>
+            <a:p>
+              <a:pPr marL="171450" indent="-171450">
+                <a:buFontTx/>
+                <a:buChar char="-"/>
+              </a:pPr>
+              <a:r>
+                <a:rPr lang="en-US" sz="600" i="1" dirty="0"/>
+                <a:t>REST API to load entities</a:t>
+              </a:r>
+            </a:p>
+            <a:p>
+              <a:pPr marL="171450" indent="-171450">
+                <a:buFontTx/>
+                <a:buChar char="-"/>
+              </a:pPr>
+              <a:r>
+                <a:rPr lang="en-US" sz="600" i="1" dirty="0"/>
+                <a:t>RPC like API to update the entities</a:t>
+              </a:r>
+            </a:p>
+            <a:p>
+              <a:pPr marL="171450" indent="-171450">
+                <a:buFontTx/>
+                <a:buChar char="-"/>
+              </a:pPr>
+              <a:r>
+                <a:rPr lang="en-US" sz="600" i="1" dirty="0"/>
+                <a:t>The binary distribution of a web client</a:t>
+              </a:r>
+            </a:p>
+            <a:p>
+              <a:pPr marL="171450" indent="-171450">
+                <a:buFontTx/>
+                <a:buChar char="-"/>
+              </a:pPr>
+              <a:endParaRPr lang="en-US" sz="600" i="1" dirty="0"/>
+            </a:p>
+            <a:p>
+              <a:pPr marL="171450" indent="-171450">
+                <a:buFontTx/>
+                <a:buChar char="-"/>
+              </a:pPr>
+              <a:endParaRPr lang="en-US" sz="600" i="1" dirty="0"/>
+            </a:p>
+            <a:p>
+              <a:r>
+                <a:rPr lang="en-US" sz="600" i="1" dirty="0"/>
+                <a:t>KAWA Server is Stateless and can be scaled out in an N-Active fashion without any additional complexity.</a:t>
+              </a:r>
+            </a:p>
+            <a:p>
+              <a:endParaRPr lang="en-US" sz="600" i="1" dirty="0"/>
+            </a:p>
+            <a:p>
+              <a:r>
+                <a:rPr lang="en-US" sz="600" i="1" dirty="0"/>
+                <a:t>KAWA Server does not do any heavy computation or handle large amount of data. All is delegated to the underlying data warehouse.</a:t>
+              </a:r>
+            </a:p>
+          </p:txBody>
+        </p:sp>
+      </p:grpSp>
+      <p:sp>
+        <p:nvSpPr>
+          <p:cNvPr id="21" name="Rectangle 20">
+            <a:extLst>
+              <a:ext uri="{FF2B5EF4-FFF2-40B4-BE49-F238E27FC236}">
+                <a16:creationId xmlns:a16="http://schemas.microsoft.com/office/drawing/2014/main" id="{3D4103AC-AE40-F106-BB41-B3E2EFF9C288}"/>
+              </a:ext>
+            </a:extLst>
+          </p:cNvPr>
+          <p:cNvSpPr/>
+          <p:nvPr/>
+        </p:nvSpPr>
+        <p:spPr>
+          <a:xfrm>
+            <a:off x="2953357" y="209130"/>
+            <a:ext cx="4695672" cy="414195"/>
+          </a:xfrm>
+          <a:prstGeom prst="rect">
+            <a:avLst/>
+          </a:prstGeom>
+          <a:solidFill>
+            <a:schemeClr val="accent4">
+              <a:lumMod val="75000"/>
+            </a:schemeClr>
+          </a:solidFill>
+          <a:ln w="3175">
+            <a:solidFill>
+              <a:srgbClr val="00B050"/>
+            </a:solidFill>
+          </a:ln>
+        </p:spPr>
+        <p:style>
+          <a:lnRef idx="2">
+            <a:schemeClr val="accent1">
+              <a:shade val="50000"/>
+            </a:schemeClr>
+          </a:lnRef>
+          <a:fillRef idx="1">
+            <a:schemeClr val="accent1"/>
+          </a:fillRef>
+          <a:effectRef idx="0">
+            <a:schemeClr val="accent1"/>
+          </a:effectRef>
+          <a:fontRef idx="minor">
+            <a:schemeClr val="lt1"/>
+          </a:fontRef>
+        </p:style>
+        <p:txBody>
+          <a:bodyPr rtlCol="0" anchor="ctr"/>
+          <a:lstStyle/>
+          <a:p>
+            <a:pPr algn="ctr"/>
+            <a:r>
+              <a:rPr lang="en-US" sz="700" dirty="0">
+                <a:solidFill>
+                  <a:schemeClr val="accent1">
+                    <a:lumMod val="20000"/>
+                    <a:lumOff val="80000"/>
+                  </a:schemeClr>
+                </a:solidFill>
+              </a:rPr>
+              <a:t>Enterprise Data Warehouse</a:t>
+            </a:r>
+          </a:p>
+        </p:txBody>
+      </p:sp>
+      <p:grpSp>
+        <p:nvGrpSpPr>
+          <p:cNvPr id="24" name="Group 23">
+            <a:extLst>
+              <a:ext uri="{FF2B5EF4-FFF2-40B4-BE49-F238E27FC236}">
+                <a16:creationId xmlns:a16="http://schemas.microsoft.com/office/drawing/2014/main" id="{A1C5AB29-655D-9D5E-F375-2396DECA5C51}"/>
+              </a:ext>
+            </a:extLst>
+          </p:cNvPr>
+          <p:cNvGrpSpPr/>
+          <p:nvPr/>
+        </p:nvGrpSpPr>
+        <p:grpSpPr>
+          <a:xfrm>
+            <a:off x="279717" y="309150"/>
+            <a:ext cx="2306597" cy="2048268"/>
+            <a:chOff x="127317" y="156750"/>
+            <a:chExt cx="2306597" cy="2355124"/>
+          </a:xfrm>
+        </p:grpSpPr>
+        <p:sp>
+          <p:nvSpPr>
+            <p:cNvPr id="25" name="Rectangle 24">
+              <a:extLst>
+                <a:ext uri="{FF2B5EF4-FFF2-40B4-BE49-F238E27FC236}">
+                  <a16:creationId xmlns:a16="http://schemas.microsoft.com/office/drawing/2014/main" id="{560BF716-42EC-EE50-B1DD-4A7D032651F7}"/>
+                </a:ext>
+              </a:extLst>
+            </p:cNvPr>
+            <p:cNvSpPr/>
+            <p:nvPr/>
+          </p:nvSpPr>
+          <p:spPr>
+            <a:xfrm>
+              <a:off x="127319" y="156750"/>
+              <a:ext cx="2306595" cy="2106137"/>
+            </a:xfrm>
+            <a:prstGeom prst="rect">
+              <a:avLst/>
+            </a:prstGeom>
+            <a:noFill/>
+            <a:ln w="3175" cmpd="sng">
+              <a:solidFill>
+                <a:schemeClr val="tx1"/>
+              </a:solidFill>
+              <a:prstDash val="lgDash"/>
+            </a:ln>
+          </p:spPr>
+          <p:style>
+            <a:lnRef idx="2">
+              <a:schemeClr val="accent1">
+                <a:shade val="50000"/>
+              </a:schemeClr>
+            </a:lnRef>
+            <a:fillRef idx="1">
+              <a:schemeClr val="accent1"/>
+            </a:fillRef>
+            <a:effectRef idx="0">
+              <a:schemeClr val="accent1"/>
+            </a:effectRef>
+            <a:fontRef idx="minor">
+              <a:schemeClr val="lt1"/>
+            </a:fontRef>
+          </p:style>
+          <p:txBody>
+            <a:bodyPr rtlCol="0" anchor="ctr"/>
+            <a:lstStyle/>
+            <a:p>
+              <a:pPr algn="ctr"/>
+              <a:endParaRPr lang="en-US" dirty="0"/>
+            </a:p>
+          </p:txBody>
+        </p:sp>
+        <p:sp>
+          <p:nvSpPr>
+            <p:cNvPr id="26" name="TextBox 25">
+              <a:extLst>
+                <a:ext uri="{FF2B5EF4-FFF2-40B4-BE49-F238E27FC236}">
+                  <a16:creationId xmlns:a16="http://schemas.microsoft.com/office/drawing/2014/main" id="{45AB07AC-90B8-CD9B-B0B7-048C3BA3291A}"/>
+                </a:ext>
+              </a:extLst>
+            </p:cNvPr>
+            <p:cNvSpPr txBox="1"/>
+            <p:nvPr/>
+          </p:nvSpPr>
+          <p:spPr>
+            <a:xfrm>
+              <a:off x="127319" y="156750"/>
+              <a:ext cx="2306595" cy="261610"/>
+            </a:xfrm>
+            <a:prstGeom prst="rect">
+              <a:avLst/>
+            </a:prstGeom>
+            <a:noFill/>
+          </p:spPr>
+          <p:txBody>
+            <a:bodyPr wrap="square" rtlCol="0">
+              <a:spAutoFit/>
+            </a:bodyPr>
+            <a:lstStyle/>
+            <a:p>
+              <a:r>
+                <a:rPr lang="en-US" sz="1050" i="1" dirty="0"/>
+                <a:t>Enterprise Data Warehouse</a:t>
+              </a:r>
+            </a:p>
+          </p:txBody>
+        </p:sp>
+        <p:sp>
+          <p:nvSpPr>
+            <p:cNvPr id="27" name="TextBox 26">
+              <a:extLst>
+                <a:ext uri="{FF2B5EF4-FFF2-40B4-BE49-F238E27FC236}">
+                  <a16:creationId xmlns:a16="http://schemas.microsoft.com/office/drawing/2014/main" id="{3462C13C-960F-197D-4EBB-B78354C79324}"/>
+                </a:ext>
+              </a:extLst>
+            </p:cNvPr>
+            <p:cNvSpPr txBox="1"/>
+            <p:nvPr/>
+          </p:nvSpPr>
+          <p:spPr>
+            <a:xfrm>
+              <a:off x="127318" y="416228"/>
+              <a:ext cx="2306595" cy="184666"/>
+            </a:xfrm>
+            <a:prstGeom prst="rect">
+              <a:avLst/>
+            </a:prstGeom>
+            <a:noFill/>
+          </p:spPr>
+          <p:txBody>
+            <a:bodyPr wrap="square" rtlCol="0">
+              <a:spAutoFit/>
+            </a:bodyPr>
+            <a:lstStyle/>
+            <a:p>
+              <a:r>
+                <a:rPr lang="en-US" sz="600" i="1" dirty="0"/>
+                <a:t>KAWA connects to one Data Warehouse</a:t>
+              </a:r>
+            </a:p>
+          </p:txBody>
+        </p:sp>
+        <p:sp>
+          <p:nvSpPr>
+            <p:cNvPr id="28" name="TextBox 27">
+              <a:extLst>
+                <a:ext uri="{FF2B5EF4-FFF2-40B4-BE49-F238E27FC236}">
+                  <a16:creationId xmlns:a16="http://schemas.microsoft.com/office/drawing/2014/main" id="{34959852-9B9E-6902-05D6-C3F59AD08C3F}"/>
+                </a:ext>
+              </a:extLst>
+            </p:cNvPr>
+            <p:cNvSpPr txBox="1"/>
+            <p:nvPr/>
+          </p:nvSpPr>
+          <p:spPr>
+            <a:xfrm>
+              <a:off x="127317" y="600894"/>
+              <a:ext cx="2306595" cy="1910980"/>
+            </a:xfrm>
+            <a:prstGeom prst="rect">
+              <a:avLst/>
+            </a:prstGeom>
+            <a:noFill/>
+          </p:spPr>
+          <p:txBody>
+            <a:bodyPr wrap="square" rtlCol="0">
+              <a:spAutoFit/>
+            </a:bodyPr>
+            <a:lstStyle/>
+            <a:p>
+              <a:r>
+                <a:rPr lang="en-US" sz="600" i="1" dirty="0"/>
+                <a:t>Compatibility matrix:</a:t>
+              </a:r>
+            </a:p>
+            <a:p>
+              <a:endParaRPr lang="en-US" sz="600" i="1" dirty="0"/>
+            </a:p>
+            <a:p>
+              <a:r>
+                <a:rPr lang="en-US" sz="600" b="1" dirty="0"/>
+                <a:t>CLICKHOUSE: </a:t>
+              </a:r>
+              <a:r>
+                <a:rPr lang="en-US" sz="600" i="1" dirty="0"/>
+                <a:t>Full support</a:t>
+              </a:r>
+            </a:p>
+            <a:p>
+              <a:r>
+                <a:rPr lang="en-US" sz="600" b="1" dirty="0"/>
+                <a:t>SNOWFLAKE: </a:t>
+              </a:r>
+              <a:r>
+                <a:rPr lang="en-US" sz="600" i="1" dirty="0"/>
+                <a:t>ETL and Read</a:t>
+              </a:r>
+              <a:br>
+                <a:rPr lang="en-US" sz="600" i="1" dirty="0"/>
+              </a:br>
+              <a:r>
+                <a:rPr lang="en-US" sz="600" b="1" i="1" dirty="0"/>
+                <a:t>BIG QUERY: </a:t>
+              </a:r>
+              <a:r>
+                <a:rPr lang="en-US" sz="600" i="1" dirty="0"/>
+                <a:t>ETL and Read</a:t>
+              </a:r>
+            </a:p>
+            <a:p>
+              <a:r>
+                <a:rPr lang="en-US" sz="600" b="1" i="1" dirty="0"/>
+                <a:t>TRINO: </a:t>
+              </a:r>
+              <a:r>
+                <a:rPr lang="en-US" sz="600" i="1" dirty="0"/>
+                <a:t>Read only</a:t>
+              </a:r>
+              <a:br>
+                <a:rPr lang="en-US" sz="600" i="1" dirty="0"/>
+              </a:br>
+              <a:r>
+                <a:rPr lang="en-US" sz="600" b="1" i="1" dirty="0"/>
+                <a:t>STARROCKS: </a:t>
+              </a:r>
+              <a:r>
+                <a:rPr lang="en-US" sz="600" i="1" dirty="0"/>
+                <a:t>Read only</a:t>
+              </a:r>
+            </a:p>
+            <a:p>
+              <a:r>
+                <a:rPr lang="en-US" sz="600" b="1" i="1" dirty="0"/>
+                <a:t>DATA BRICKS: </a:t>
+              </a:r>
+              <a:r>
+                <a:rPr lang="en-US" sz="600" i="1" dirty="0"/>
+                <a:t>Read only</a:t>
+              </a:r>
+            </a:p>
+            <a:p>
+              <a:endParaRPr lang="en-US" sz="600" i="1" dirty="0"/>
+            </a:p>
+            <a:p>
+              <a:r>
+                <a:rPr lang="en-US" sz="600" i="1" dirty="0"/>
+                <a:t>Kawa Server will delegate all the computations to the underlying data warehouse. Kawa’s platform scalability is ensured by the warehouse scalability.</a:t>
+              </a:r>
+            </a:p>
+            <a:p>
+              <a:endParaRPr lang="en-US" sz="600" i="1" dirty="0"/>
+            </a:p>
+            <a:p>
+              <a:r>
+                <a:rPr lang="en-US" sz="600" i="1" dirty="0"/>
+                <a:t>RLS and CLS is ensured by KAWA </a:t>
+              </a:r>
+            </a:p>
+            <a:p>
+              <a:endParaRPr lang="en-US" sz="600" i="1" dirty="0"/>
+            </a:p>
+            <a:p>
+              <a:endParaRPr lang="en-US" sz="600" i="1" dirty="0"/>
+            </a:p>
+            <a:p>
+              <a:endParaRPr lang="en-US" sz="600" i="1" dirty="0"/>
+            </a:p>
+          </p:txBody>
+        </p:sp>
+      </p:grpSp>
+      <p:sp>
+        <p:nvSpPr>
+          <p:cNvPr id="35" name="Rectangle 34">
+            <a:extLst>
+              <a:ext uri="{FF2B5EF4-FFF2-40B4-BE49-F238E27FC236}">
+                <a16:creationId xmlns:a16="http://schemas.microsoft.com/office/drawing/2014/main" id="{F4ED37F8-AECB-DA15-14F0-D662C29332E4}"/>
+              </a:ext>
+            </a:extLst>
+          </p:cNvPr>
+          <p:cNvSpPr/>
+          <p:nvPr/>
+        </p:nvSpPr>
+        <p:spPr>
+          <a:xfrm>
+            <a:off x="2953357" y="643735"/>
+            <a:ext cx="4695672" cy="414195"/>
+          </a:xfrm>
+          <a:prstGeom prst="rect">
+            <a:avLst/>
+          </a:prstGeom>
+          <a:solidFill>
+            <a:schemeClr val="accent4">
+              <a:lumMod val="60000"/>
+              <a:lumOff val="40000"/>
+            </a:schemeClr>
+          </a:solidFill>
+          <a:ln w="3175">
+            <a:solidFill>
+              <a:srgbClr val="00B050"/>
+            </a:solidFill>
+          </a:ln>
+        </p:spPr>
+        <p:style>
+          <a:lnRef idx="2">
+            <a:schemeClr val="accent1">
+              <a:shade val="50000"/>
+            </a:schemeClr>
+          </a:lnRef>
+          <a:fillRef idx="1">
+            <a:schemeClr val="accent1"/>
+          </a:fillRef>
+          <a:effectRef idx="0">
+            <a:schemeClr val="accent1"/>
+          </a:effectRef>
+          <a:fontRef idx="minor">
+            <a:schemeClr val="lt1"/>
+          </a:fontRef>
+        </p:style>
+        <p:txBody>
+          <a:bodyPr rtlCol="0" anchor="ctr"/>
+          <a:lstStyle/>
+          <a:p>
+            <a:pPr algn="ctr"/>
+            <a:r>
+              <a:rPr lang="en-US" sz="700" dirty="0">
+                <a:solidFill>
+                  <a:schemeClr val="accent1">
+                    <a:lumMod val="50000"/>
+                  </a:schemeClr>
+                </a:solidFill>
+              </a:rPr>
+              <a:t>Entity Store</a:t>
+            </a:r>
+          </a:p>
+        </p:txBody>
+      </p:sp>
+      <p:grpSp>
+        <p:nvGrpSpPr>
+          <p:cNvPr id="36" name="Group 35">
+            <a:extLst>
+              <a:ext uri="{FF2B5EF4-FFF2-40B4-BE49-F238E27FC236}">
+                <a16:creationId xmlns:a16="http://schemas.microsoft.com/office/drawing/2014/main" id="{7970676A-873A-B108-4536-7519F762B9EA}"/>
+              </a:ext>
+            </a:extLst>
+          </p:cNvPr>
+          <p:cNvGrpSpPr/>
+          <p:nvPr/>
+        </p:nvGrpSpPr>
+        <p:grpSpPr>
+          <a:xfrm>
+            <a:off x="8029141" y="310150"/>
+            <a:ext cx="2306597" cy="1274736"/>
+            <a:chOff x="127317" y="156750"/>
+            <a:chExt cx="2306597" cy="1718132"/>
+          </a:xfrm>
+        </p:grpSpPr>
+        <p:sp>
+          <p:nvSpPr>
+            <p:cNvPr id="37" name="Rectangle 36">
+              <a:extLst>
+                <a:ext uri="{FF2B5EF4-FFF2-40B4-BE49-F238E27FC236}">
+                  <a16:creationId xmlns:a16="http://schemas.microsoft.com/office/drawing/2014/main" id="{1DA3E36A-35DE-0ADF-1A33-2237B79C3251}"/>
+                </a:ext>
+              </a:extLst>
+            </p:cNvPr>
+            <p:cNvSpPr/>
+            <p:nvPr/>
+          </p:nvSpPr>
+          <p:spPr>
+            <a:xfrm>
+              <a:off x="127319" y="156750"/>
+              <a:ext cx="2306595" cy="1638692"/>
+            </a:xfrm>
+            <a:prstGeom prst="rect">
+              <a:avLst/>
+            </a:prstGeom>
+            <a:noFill/>
+            <a:ln w="3175" cmpd="sng">
+              <a:solidFill>
+                <a:schemeClr val="tx1"/>
+              </a:solidFill>
+              <a:prstDash val="lgDash"/>
+            </a:ln>
+          </p:spPr>
+          <p:style>
+            <a:lnRef idx="2">
+              <a:schemeClr val="accent1">
+                <a:shade val="50000"/>
+              </a:schemeClr>
+            </a:lnRef>
+            <a:fillRef idx="1">
+              <a:schemeClr val="accent1"/>
+            </a:fillRef>
+            <a:effectRef idx="0">
+              <a:schemeClr val="accent1"/>
+            </a:effectRef>
+            <a:fontRef idx="minor">
+              <a:schemeClr val="lt1"/>
+            </a:fontRef>
+          </p:style>
+          <p:txBody>
+            <a:bodyPr rtlCol="0" anchor="ctr"/>
+            <a:lstStyle/>
+            <a:p>
+              <a:pPr algn="ctr"/>
+              <a:endParaRPr lang="en-US" dirty="0"/>
+            </a:p>
+          </p:txBody>
+        </p:sp>
+        <p:sp>
+          <p:nvSpPr>
+            <p:cNvPr id="38" name="TextBox 37">
+              <a:extLst>
+                <a:ext uri="{FF2B5EF4-FFF2-40B4-BE49-F238E27FC236}">
+                  <a16:creationId xmlns:a16="http://schemas.microsoft.com/office/drawing/2014/main" id="{2BAA952F-F2FA-E089-E22C-06AE005B33BD}"/>
+                </a:ext>
+              </a:extLst>
+            </p:cNvPr>
+            <p:cNvSpPr txBox="1"/>
+            <p:nvPr/>
+          </p:nvSpPr>
+          <p:spPr>
+            <a:xfrm>
+              <a:off x="127319" y="156750"/>
+              <a:ext cx="2306595" cy="291956"/>
+            </a:xfrm>
+            <a:prstGeom prst="rect">
+              <a:avLst/>
+            </a:prstGeom>
+            <a:noFill/>
+          </p:spPr>
+          <p:txBody>
+            <a:bodyPr wrap="square" rtlCol="0">
+              <a:spAutoFit/>
+            </a:bodyPr>
+            <a:lstStyle/>
+            <a:p>
+              <a:r>
+                <a:rPr lang="en-US" sz="1050" i="1" dirty="0"/>
+                <a:t>Entity Store</a:t>
+              </a:r>
+            </a:p>
+          </p:txBody>
+        </p:sp>
+        <p:sp>
+          <p:nvSpPr>
+            <p:cNvPr id="39" name="TextBox 38">
+              <a:extLst>
+                <a:ext uri="{FF2B5EF4-FFF2-40B4-BE49-F238E27FC236}">
+                  <a16:creationId xmlns:a16="http://schemas.microsoft.com/office/drawing/2014/main" id="{0EB753BB-F794-45E0-192E-591F60084012}"/>
+                </a:ext>
+              </a:extLst>
+            </p:cNvPr>
+            <p:cNvSpPr txBox="1"/>
+            <p:nvPr/>
+          </p:nvSpPr>
+          <p:spPr>
+            <a:xfrm>
+              <a:off x="127318" y="416228"/>
+              <a:ext cx="2306595" cy="212331"/>
+            </a:xfrm>
+            <a:prstGeom prst="rect">
+              <a:avLst/>
+            </a:prstGeom>
+            <a:noFill/>
+          </p:spPr>
+          <p:txBody>
+            <a:bodyPr wrap="square" rtlCol="0">
+              <a:spAutoFit/>
+            </a:bodyPr>
+            <a:lstStyle/>
+            <a:p>
+              <a:r>
+                <a:rPr lang="en-US" sz="600" i="1" dirty="0"/>
+                <a:t>KAWA connects to one Entity Store</a:t>
+              </a:r>
+            </a:p>
+          </p:txBody>
+        </p:sp>
+        <p:sp>
+          <p:nvSpPr>
+            <p:cNvPr id="40" name="TextBox 39">
+              <a:extLst>
+                <a:ext uri="{FF2B5EF4-FFF2-40B4-BE49-F238E27FC236}">
+                  <a16:creationId xmlns:a16="http://schemas.microsoft.com/office/drawing/2014/main" id="{149DCCE4-1A45-67B0-20FF-51C58DE65C33}"/>
+                </a:ext>
+              </a:extLst>
+            </p:cNvPr>
+            <p:cNvSpPr txBox="1"/>
+            <p:nvPr/>
+          </p:nvSpPr>
+          <p:spPr>
+            <a:xfrm>
+              <a:off x="127317" y="600894"/>
+              <a:ext cx="2306595" cy="1273988"/>
+            </a:xfrm>
+            <a:prstGeom prst="rect">
+              <a:avLst/>
+            </a:prstGeom>
+            <a:noFill/>
+          </p:spPr>
+          <p:txBody>
+            <a:bodyPr wrap="square" rtlCol="0">
+              <a:spAutoFit/>
+            </a:bodyPr>
+            <a:lstStyle/>
+            <a:p>
+              <a:r>
+                <a:rPr lang="en-US" sz="600" i="1" dirty="0"/>
+                <a:t>KAWA is compatible with Postgres databases.</a:t>
+              </a:r>
+            </a:p>
+            <a:p>
+              <a:endParaRPr lang="en-US" sz="600" i="1" dirty="0"/>
+            </a:p>
+            <a:p>
+              <a:r>
+                <a:rPr lang="en-US" sz="600" i="1" dirty="0"/>
+                <a:t>This store persists all the entities necessary to the operations of the platform. This store is where the state of the KAWA platform is kept at all times.</a:t>
+              </a:r>
+            </a:p>
+            <a:p>
+              <a:endParaRPr lang="en-US" sz="600" i="1" dirty="0"/>
+            </a:p>
+            <a:p>
+              <a:r>
+                <a:rPr lang="en-US" sz="600" b="1" i="1" dirty="0"/>
+                <a:t>IMPORTANT:</a:t>
+              </a:r>
+              <a:r>
+                <a:rPr lang="en-US" sz="600" i="1" dirty="0"/>
+                <a:t> The network latency between the Entity Store and KAWA instances must be kept as low as possible.</a:t>
+              </a:r>
+            </a:p>
+            <a:p>
+              <a:endParaRPr lang="en-US" sz="600" i="1" dirty="0"/>
+            </a:p>
+            <a:p>
+              <a:endParaRPr lang="en-US" sz="600" i="1" dirty="0"/>
+            </a:p>
+            <a:p>
+              <a:endParaRPr lang="en-US" sz="600" i="1" dirty="0"/>
+            </a:p>
+          </p:txBody>
+        </p:sp>
+      </p:grpSp>
+      <p:sp>
+        <p:nvSpPr>
+          <p:cNvPr id="42" name="Rectangle 41">
+            <a:extLst>
+              <a:ext uri="{FF2B5EF4-FFF2-40B4-BE49-F238E27FC236}">
+                <a16:creationId xmlns:a16="http://schemas.microsoft.com/office/drawing/2014/main" id="{FFECFB8C-E6A2-EAC1-92D8-FA580A91E31F}"/>
+              </a:ext>
+            </a:extLst>
+          </p:cNvPr>
+          <p:cNvSpPr/>
+          <p:nvPr/>
+        </p:nvSpPr>
+        <p:spPr>
+          <a:xfrm rot="16200000">
+            <a:off x="6513521" y="2239309"/>
+            <a:ext cx="1654929" cy="265360"/>
+          </a:xfrm>
+          <a:prstGeom prst="rect">
+            <a:avLst/>
+          </a:prstGeom>
+          <a:solidFill>
+            <a:schemeClr val="accent4">
+              <a:lumMod val="75000"/>
+            </a:schemeClr>
+          </a:solidFill>
+          <a:ln w="3175">
+            <a:solidFill>
+              <a:srgbClr val="00B050"/>
+            </a:solidFill>
+          </a:ln>
+        </p:spPr>
+        <p:style>
+          <a:lnRef idx="2">
+            <a:schemeClr val="accent1">
+              <a:shade val="50000"/>
+            </a:schemeClr>
+          </a:lnRef>
+          <a:fillRef idx="1">
+            <a:schemeClr val="accent1"/>
+          </a:fillRef>
+          <a:effectRef idx="0">
+            <a:schemeClr val="accent1"/>
+          </a:effectRef>
+          <a:fontRef idx="minor">
+            <a:schemeClr val="lt1"/>
+          </a:fontRef>
+        </p:style>
+        <p:txBody>
+          <a:bodyPr rtlCol="0" anchor="ctr"/>
+          <a:lstStyle/>
+          <a:p>
+            <a:pPr algn="ctr"/>
+            <a:r>
+              <a:rPr lang="en-US" sz="700" dirty="0">
+                <a:solidFill>
+                  <a:schemeClr val="accent1">
+                    <a:lumMod val="20000"/>
+                    <a:lumOff val="80000"/>
+                  </a:schemeClr>
+                </a:solidFill>
+              </a:rPr>
+              <a:t>Open Id Connect API</a:t>
+            </a:r>
+          </a:p>
+        </p:txBody>
+      </p:sp>
+      <p:sp>
+        <p:nvSpPr>
+          <p:cNvPr id="43" name="Rectangle 42">
+            <a:extLst>
+              <a:ext uri="{FF2B5EF4-FFF2-40B4-BE49-F238E27FC236}">
+                <a16:creationId xmlns:a16="http://schemas.microsoft.com/office/drawing/2014/main" id="{9EF0D4CE-B9E8-0795-D9D2-78D61DD3381D}"/>
+              </a:ext>
+            </a:extLst>
+          </p:cNvPr>
+          <p:cNvSpPr/>
+          <p:nvPr/>
+        </p:nvSpPr>
+        <p:spPr>
+          <a:xfrm rot="16200000">
+            <a:off x="6788402" y="2239308"/>
+            <a:ext cx="1654929" cy="265361"/>
+          </a:xfrm>
+          <a:prstGeom prst="rect">
+            <a:avLst/>
+          </a:prstGeom>
+          <a:solidFill>
+            <a:schemeClr val="accent4">
+              <a:lumMod val="75000"/>
+            </a:schemeClr>
+          </a:solidFill>
+          <a:ln w="3175">
+            <a:solidFill>
+              <a:srgbClr val="00B050"/>
+            </a:solidFill>
+          </a:ln>
+        </p:spPr>
+        <p:style>
+          <a:lnRef idx="2">
+            <a:schemeClr val="accent1">
+              <a:shade val="50000"/>
+            </a:schemeClr>
+          </a:lnRef>
+          <a:fillRef idx="1">
+            <a:schemeClr val="accent1"/>
+          </a:fillRef>
+          <a:effectRef idx="0">
+            <a:schemeClr val="accent1"/>
+          </a:effectRef>
+          <a:fontRef idx="minor">
+            <a:schemeClr val="lt1"/>
+          </a:fontRef>
+        </p:style>
+        <p:txBody>
+          <a:bodyPr rtlCol="0" anchor="ctr"/>
+          <a:lstStyle/>
+          <a:p>
+            <a:pPr algn="ctr"/>
+            <a:r>
+              <a:rPr lang="en-US" sz="700" dirty="0">
+                <a:solidFill>
+                  <a:schemeClr val="accent1">
+                    <a:lumMod val="20000"/>
+                    <a:lumOff val="80000"/>
+                  </a:schemeClr>
+                </a:solidFill>
+              </a:rPr>
+              <a:t>Secret Store</a:t>
+            </a:r>
+          </a:p>
+        </p:txBody>
+      </p:sp>
+      <p:grpSp>
+        <p:nvGrpSpPr>
+          <p:cNvPr id="44" name="Group 43">
+            <a:extLst>
+              <a:ext uri="{FF2B5EF4-FFF2-40B4-BE49-F238E27FC236}">
+                <a16:creationId xmlns:a16="http://schemas.microsoft.com/office/drawing/2014/main" id="{224F23F0-1042-7675-E64E-90E262D5E54A}"/>
+              </a:ext>
+            </a:extLst>
+          </p:cNvPr>
+          <p:cNvGrpSpPr/>
+          <p:nvPr/>
+        </p:nvGrpSpPr>
+        <p:grpSpPr>
+          <a:xfrm>
+            <a:off x="5245970" y="1870110"/>
+            <a:ext cx="1717289" cy="1029224"/>
+            <a:chOff x="3646337" y="1325458"/>
+            <a:chExt cx="1717289" cy="1029224"/>
+          </a:xfrm>
+        </p:grpSpPr>
+        <p:sp>
+          <p:nvSpPr>
+            <p:cNvPr id="45" name="Rectangle 44">
+              <a:extLst>
+                <a:ext uri="{FF2B5EF4-FFF2-40B4-BE49-F238E27FC236}">
+                  <a16:creationId xmlns:a16="http://schemas.microsoft.com/office/drawing/2014/main" id="{97FE6644-C99B-D676-D289-F2D38F0D7891}"/>
+                </a:ext>
+              </a:extLst>
+            </p:cNvPr>
+            <p:cNvSpPr/>
+            <p:nvPr/>
+          </p:nvSpPr>
+          <p:spPr>
+            <a:xfrm>
+              <a:off x="3764590" y="1610150"/>
+              <a:ext cx="1499684" cy="434375"/>
+            </a:xfrm>
+            <a:prstGeom prst="rect">
+              <a:avLst/>
+            </a:prstGeom>
+            <a:solidFill>
+              <a:schemeClr val="tx2">
+                <a:lumMod val="75000"/>
+                <a:lumOff val="25000"/>
+              </a:schemeClr>
+            </a:solidFill>
+            <a:ln w="3175">
+              <a:solidFill>
+                <a:schemeClr val="accent1"/>
+              </a:solidFill>
+            </a:ln>
+          </p:spPr>
+          <p:style>
+            <a:lnRef idx="2">
+              <a:schemeClr val="accent1">
+                <a:shade val="50000"/>
+              </a:schemeClr>
+            </a:lnRef>
+            <a:fillRef idx="1">
+              <a:schemeClr val="accent1"/>
+            </a:fillRef>
+            <a:effectRef idx="0">
+              <a:schemeClr val="accent1"/>
+            </a:effectRef>
+            <a:fontRef idx="minor">
+              <a:schemeClr val="lt1"/>
+            </a:fontRef>
+          </p:style>
+          <p:txBody>
+            <a:bodyPr rtlCol="0" anchor="ctr"/>
+            <a:lstStyle/>
+            <a:p>
+              <a:pPr algn="ctr"/>
+              <a:r>
+                <a:rPr lang="en-US" sz="800" dirty="0">
+                  <a:solidFill>
+                    <a:schemeClr val="bg1"/>
+                  </a:solidFill>
+                </a:rPr>
+                <a:t>KAWA Server</a:t>
+              </a:r>
+            </a:p>
+          </p:txBody>
+        </p:sp>
+        <p:sp>
+          <p:nvSpPr>
+            <p:cNvPr id="46" name="Rectangle 45">
+              <a:extLst>
+                <a:ext uri="{FF2B5EF4-FFF2-40B4-BE49-F238E27FC236}">
+                  <a16:creationId xmlns:a16="http://schemas.microsoft.com/office/drawing/2014/main" id="{5B427A6B-A8FA-9CE7-0417-3CC968176A22}"/>
+                </a:ext>
+              </a:extLst>
+            </p:cNvPr>
+            <p:cNvSpPr/>
+            <p:nvPr/>
+          </p:nvSpPr>
+          <p:spPr>
+            <a:xfrm>
+              <a:off x="3764589" y="2044526"/>
+              <a:ext cx="749842" cy="188142"/>
+            </a:xfrm>
+            <a:prstGeom prst="rect">
+              <a:avLst/>
+            </a:prstGeom>
+            <a:solidFill>
+              <a:schemeClr val="tx2">
+                <a:lumMod val="25000"/>
+                <a:lumOff val="75000"/>
+              </a:schemeClr>
+            </a:solidFill>
+            <a:ln w="3175">
+              <a:solidFill>
+                <a:schemeClr val="accent1"/>
+              </a:solidFill>
+            </a:ln>
+          </p:spPr>
+          <p:style>
+            <a:lnRef idx="2">
+              <a:schemeClr val="accent1">
+                <a:shade val="50000"/>
+              </a:schemeClr>
+            </a:lnRef>
+            <a:fillRef idx="1">
+              <a:schemeClr val="accent1"/>
+            </a:fillRef>
+            <a:effectRef idx="0">
+              <a:schemeClr val="accent1"/>
+            </a:effectRef>
+            <a:fontRef idx="minor">
+              <a:schemeClr val="lt1"/>
+            </a:fontRef>
+          </p:style>
+          <p:txBody>
+            <a:bodyPr rtlCol="0" anchor="ctr"/>
+            <a:lstStyle/>
+            <a:p>
+              <a:pPr algn="ctr"/>
+              <a:r>
+                <a:rPr lang="en-US" sz="500" dirty="0">
+                  <a:solidFill>
+                    <a:schemeClr val="tx2"/>
+                  </a:solidFill>
+                </a:rPr>
+                <a:t>KAWA Web Client </a:t>
+              </a:r>
+            </a:p>
+          </p:txBody>
+        </p:sp>
+        <p:sp>
+          <p:nvSpPr>
+            <p:cNvPr id="47" name="Rectangle 46">
+              <a:extLst>
+                <a:ext uri="{FF2B5EF4-FFF2-40B4-BE49-F238E27FC236}">
+                  <a16:creationId xmlns:a16="http://schemas.microsoft.com/office/drawing/2014/main" id="{CAD6BB20-E747-818D-2C54-9F0D3CB20A0D}"/>
+                </a:ext>
+              </a:extLst>
+            </p:cNvPr>
+            <p:cNvSpPr/>
+            <p:nvPr/>
+          </p:nvSpPr>
+          <p:spPr>
+            <a:xfrm>
+              <a:off x="4514431" y="2044526"/>
+              <a:ext cx="749842" cy="188142"/>
+            </a:xfrm>
+            <a:prstGeom prst="rect">
+              <a:avLst/>
+            </a:prstGeom>
+            <a:solidFill>
+              <a:schemeClr val="tx2">
+                <a:lumMod val="25000"/>
+                <a:lumOff val="75000"/>
+              </a:schemeClr>
+            </a:solidFill>
+            <a:ln w="3175">
+              <a:solidFill>
+                <a:schemeClr val="accent1"/>
+              </a:solidFill>
+            </a:ln>
+          </p:spPr>
+          <p:style>
+            <a:lnRef idx="2">
+              <a:schemeClr val="accent1">
+                <a:shade val="50000"/>
+              </a:schemeClr>
+            </a:lnRef>
+            <a:fillRef idx="1">
+              <a:schemeClr val="accent1"/>
+            </a:fillRef>
+            <a:effectRef idx="0">
+              <a:schemeClr val="accent1"/>
+            </a:effectRef>
+            <a:fontRef idx="minor">
+              <a:schemeClr val="lt1"/>
+            </a:fontRef>
+          </p:style>
+          <p:txBody>
+            <a:bodyPr rtlCol="0" anchor="ctr"/>
+            <a:lstStyle/>
+            <a:p>
+              <a:pPr algn="ctr"/>
+              <a:r>
+                <a:rPr lang="en-US" sz="600" dirty="0">
+                  <a:solidFill>
+                    <a:schemeClr val="tx2"/>
+                  </a:solidFill>
+                </a:rPr>
+                <a:t>KAWA HTTP APIs</a:t>
+              </a:r>
+            </a:p>
+          </p:txBody>
+        </p:sp>
+        <p:sp>
+          <p:nvSpPr>
+            <p:cNvPr id="48" name="Rectangle 47">
+              <a:extLst>
+                <a:ext uri="{FF2B5EF4-FFF2-40B4-BE49-F238E27FC236}">
+                  <a16:creationId xmlns:a16="http://schemas.microsoft.com/office/drawing/2014/main" id="{69FD8DE1-6077-31E3-DEF4-5CC9EFBB52A2}"/>
+                </a:ext>
+              </a:extLst>
+            </p:cNvPr>
+            <p:cNvSpPr/>
+            <p:nvPr/>
+          </p:nvSpPr>
+          <p:spPr>
+            <a:xfrm>
+              <a:off x="3646337" y="1325458"/>
+              <a:ext cx="1717289" cy="1029224"/>
+            </a:xfrm>
+            <a:prstGeom prst="rect">
+              <a:avLst/>
+            </a:prstGeom>
+            <a:noFill/>
+            <a:ln w="3175">
+              <a:solidFill>
+                <a:schemeClr val="tx2"/>
+              </a:solidFill>
+              <a:prstDash val="dash"/>
+            </a:ln>
+          </p:spPr>
+          <p:style>
+            <a:lnRef idx="2">
+              <a:schemeClr val="accent1">
+                <a:shade val="50000"/>
+              </a:schemeClr>
+            </a:lnRef>
+            <a:fillRef idx="1">
+              <a:schemeClr val="accent1"/>
+            </a:fillRef>
+            <a:effectRef idx="0">
+              <a:schemeClr val="accent1"/>
+            </a:effectRef>
+            <a:fontRef idx="minor">
+              <a:schemeClr val="lt1"/>
+            </a:fontRef>
+          </p:style>
+          <p:txBody>
+            <a:bodyPr rtlCol="0" anchor="ctr"/>
+            <a:lstStyle/>
+            <a:p>
+              <a:pPr algn="ctr"/>
+              <a:endParaRPr lang="en-US" sz="800" dirty="0">
+                <a:ln>
+                  <a:solidFill>
+                    <a:schemeClr val="tx1"/>
+                  </a:solidFill>
+                  <a:prstDash val="sysDash"/>
+                </a:ln>
+                <a:solidFill>
+                  <a:schemeClr val="tx2"/>
+                </a:solidFill>
+              </a:endParaRPr>
+            </a:p>
+          </p:txBody>
+        </p:sp>
+        <p:sp>
+          <p:nvSpPr>
+            <p:cNvPr id="49" name="Rectangle 48">
+              <a:extLst>
+                <a:ext uri="{FF2B5EF4-FFF2-40B4-BE49-F238E27FC236}">
+                  <a16:creationId xmlns:a16="http://schemas.microsoft.com/office/drawing/2014/main" id="{1C5217C4-A801-8B7B-087E-AB7010CFF6E9}"/>
+                </a:ext>
+              </a:extLst>
+            </p:cNvPr>
+            <p:cNvSpPr/>
+            <p:nvPr/>
+          </p:nvSpPr>
+          <p:spPr>
+            <a:xfrm>
+              <a:off x="3764664" y="1419465"/>
+              <a:ext cx="1499684" cy="188142"/>
+            </a:xfrm>
+            <a:prstGeom prst="rect">
+              <a:avLst/>
+            </a:prstGeom>
+            <a:solidFill>
+              <a:schemeClr val="tx2">
+                <a:lumMod val="25000"/>
+                <a:lumOff val="75000"/>
+              </a:schemeClr>
+            </a:solidFill>
+            <a:ln w="3175">
+              <a:solidFill>
+                <a:schemeClr val="accent1"/>
+              </a:solidFill>
+            </a:ln>
+          </p:spPr>
+          <p:style>
+            <a:lnRef idx="2">
+              <a:schemeClr val="accent1">
+                <a:shade val="50000"/>
+              </a:schemeClr>
+            </a:lnRef>
+            <a:fillRef idx="1">
+              <a:schemeClr val="accent1"/>
+            </a:fillRef>
+            <a:effectRef idx="0">
+              <a:schemeClr val="accent1"/>
+            </a:effectRef>
+            <a:fontRef idx="minor">
+              <a:schemeClr val="lt1"/>
+            </a:fontRef>
+          </p:style>
+          <p:txBody>
+            <a:bodyPr rtlCol="0" anchor="ctr"/>
+            <a:lstStyle/>
+            <a:p>
+              <a:pPr algn="ctr"/>
+              <a:r>
+                <a:rPr lang="en-US" sz="700" dirty="0">
+                  <a:solidFill>
+                    <a:schemeClr val="tx2"/>
+                  </a:solidFill>
+                </a:rPr>
+                <a:t>Governance and Security layer</a:t>
+              </a:r>
+            </a:p>
+          </p:txBody>
+        </p:sp>
+      </p:grpSp>
+      <p:grpSp>
+        <p:nvGrpSpPr>
+          <p:cNvPr id="52" name="Group 51">
+            <a:extLst>
+              <a:ext uri="{FF2B5EF4-FFF2-40B4-BE49-F238E27FC236}">
+                <a16:creationId xmlns:a16="http://schemas.microsoft.com/office/drawing/2014/main" id="{9DB6E640-6381-88C0-095E-C3F19BF10AC1}"/>
+              </a:ext>
+            </a:extLst>
+          </p:cNvPr>
+          <p:cNvGrpSpPr/>
+          <p:nvPr/>
+        </p:nvGrpSpPr>
+        <p:grpSpPr>
+          <a:xfrm>
+            <a:off x="3382552" y="1870110"/>
+            <a:ext cx="1717289" cy="1029224"/>
+            <a:chOff x="3646337" y="1325458"/>
+            <a:chExt cx="1717289" cy="1029224"/>
+          </a:xfrm>
+        </p:grpSpPr>
+        <p:sp>
+          <p:nvSpPr>
+            <p:cNvPr id="53" name="Rectangle 52">
+              <a:extLst>
+                <a:ext uri="{FF2B5EF4-FFF2-40B4-BE49-F238E27FC236}">
+                  <a16:creationId xmlns:a16="http://schemas.microsoft.com/office/drawing/2014/main" id="{D6C0E9F5-CD6E-6167-9683-CDD06FF9A385}"/>
+                </a:ext>
+              </a:extLst>
+            </p:cNvPr>
+            <p:cNvSpPr/>
+            <p:nvPr/>
+          </p:nvSpPr>
+          <p:spPr>
+            <a:xfrm>
+              <a:off x="3764590" y="1610150"/>
+              <a:ext cx="1499684" cy="434375"/>
+            </a:xfrm>
+            <a:prstGeom prst="rect">
+              <a:avLst/>
+            </a:prstGeom>
+            <a:solidFill>
+              <a:schemeClr val="tx2">
+                <a:lumMod val="75000"/>
+                <a:lumOff val="25000"/>
+              </a:schemeClr>
+            </a:solidFill>
+            <a:ln w="3175">
+              <a:solidFill>
+                <a:schemeClr val="accent1"/>
+              </a:solidFill>
+            </a:ln>
+          </p:spPr>
+          <p:style>
+            <a:lnRef idx="2">
+              <a:schemeClr val="accent1">
+                <a:shade val="50000"/>
+              </a:schemeClr>
+            </a:lnRef>
+            <a:fillRef idx="1">
+              <a:schemeClr val="accent1"/>
+            </a:fillRef>
+            <a:effectRef idx="0">
+              <a:schemeClr val="accent1"/>
+            </a:effectRef>
+            <a:fontRef idx="minor">
+              <a:schemeClr val="lt1"/>
+            </a:fontRef>
+          </p:style>
+          <p:txBody>
+            <a:bodyPr rtlCol="0" anchor="ctr"/>
+            <a:lstStyle/>
+            <a:p>
+              <a:pPr algn="ctr"/>
+              <a:r>
+                <a:rPr lang="en-US" sz="800" dirty="0">
+                  <a:solidFill>
+                    <a:schemeClr val="bg1"/>
+                  </a:solidFill>
+                </a:rPr>
+                <a:t>Python Runner</a:t>
+              </a:r>
+            </a:p>
+          </p:txBody>
+        </p:sp>
+        <p:sp>
+          <p:nvSpPr>
+            <p:cNvPr id="54" name="Rectangle 53">
+              <a:extLst>
+                <a:ext uri="{FF2B5EF4-FFF2-40B4-BE49-F238E27FC236}">
+                  <a16:creationId xmlns:a16="http://schemas.microsoft.com/office/drawing/2014/main" id="{737FB558-4B62-DC6F-0162-4D8B921D5AD6}"/>
+                </a:ext>
+              </a:extLst>
+            </p:cNvPr>
+            <p:cNvSpPr/>
+            <p:nvPr/>
+          </p:nvSpPr>
+          <p:spPr>
+            <a:xfrm>
+              <a:off x="3764589" y="2044526"/>
+              <a:ext cx="749842" cy="188142"/>
+            </a:xfrm>
+            <a:prstGeom prst="rect">
+              <a:avLst/>
+            </a:prstGeom>
+            <a:solidFill>
+              <a:schemeClr val="tx2">
+                <a:lumMod val="25000"/>
+                <a:lumOff val="75000"/>
+              </a:schemeClr>
+            </a:solidFill>
+            <a:ln w="3175">
+              <a:solidFill>
+                <a:schemeClr val="accent1"/>
+              </a:solidFill>
+            </a:ln>
+          </p:spPr>
+          <p:style>
+            <a:lnRef idx="2">
+              <a:schemeClr val="accent1">
+                <a:shade val="50000"/>
+              </a:schemeClr>
+            </a:lnRef>
+            <a:fillRef idx="1">
+              <a:schemeClr val="accent1"/>
+            </a:fillRef>
+            <a:effectRef idx="0">
+              <a:schemeClr val="accent1"/>
+            </a:effectRef>
+            <a:fontRef idx="minor">
+              <a:schemeClr val="lt1"/>
+            </a:fontRef>
+          </p:style>
+          <p:txBody>
+            <a:bodyPr rtlCol="0" anchor="ctr"/>
+            <a:lstStyle/>
+            <a:p>
+              <a:pPr algn="ctr"/>
+              <a:endParaRPr lang="en-US" sz="500" dirty="0">
+                <a:solidFill>
+                  <a:schemeClr val="tx2"/>
+                </a:solidFill>
+              </a:endParaRPr>
+            </a:p>
+          </p:txBody>
+        </p:sp>
+        <p:sp>
+          <p:nvSpPr>
+            <p:cNvPr id="55" name="Rectangle 54">
+              <a:extLst>
+                <a:ext uri="{FF2B5EF4-FFF2-40B4-BE49-F238E27FC236}">
+                  <a16:creationId xmlns:a16="http://schemas.microsoft.com/office/drawing/2014/main" id="{A11AC878-8332-97F4-41CF-3A735FD6747E}"/>
+                </a:ext>
+              </a:extLst>
+            </p:cNvPr>
+            <p:cNvSpPr/>
+            <p:nvPr/>
+          </p:nvSpPr>
+          <p:spPr>
+            <a:xfrm>
+              <a:off x="4514431" y="2044526"/>
+              <a:ext cx="749842" cy="188142"/>
+            </a:xfrm>
+            <a:prstGeom prst="rect">
+              <a:avLst/>
+            </a:prstGeom>
+            <a:solidFill>
+              <a:schemeClr val="tx2">
+                <a:lumMod val="25000"/>
+                <a:lumOff val="75000"/>
+              </a:schemeClr>
+            </a:solidFill>
+            <a:ln w="3175">
+              <a:solidFill>
+                <a:schemeClr val="accent1"/>
+              </a:solidFill>
+            </a:ln>
+          </p:spPr>
+          <p:style>
+            <a:lnRef idx="2">
+              <a:schemeClr val="accent1">
+                <a:shade val="50000"/>
+              </a:schemeClr>
+            </a:lnRef>
+            <a:fillRef idx="1">
+              <a:schemeClr val="accent1"/>
+            </a:fillRef>
+            <a:effectRef idx="0">
+              <a:schemeClr val="accent1"/>
+            </a:effectRef>
+            <a:fontRef idx="minor">
+              <a:schemeClr val="lt1"/>
+            </a:fontRef>
+          </p:style>
+          <p:txBody>
+            <a:bodyPr rtlCol="0" anchor="ctr"/>
+            <a:lstStyle/>
+            <a:p>
+              <a:pPr algn="ctr"/>
+              <a:endParaRPr lang="en-US" sz="600" dirty="0">
+                <a:solidFill>
+                  <a:schemeClr val="tx2"/>
+                </a:solidFill>
+              </a:endParaRPr>
+            </a:p>
+          </p:txBody>
+        </p:sp>
+        <p:sp>
+          <p:nvSpPr>
+            <p:cNvPr id="56" name="Rectangle 55">
+              <a:extLst>
+                <a:ext uri="{FF2B5EF4-FFF2-40B4-BE49-F238E27FC236}">
+                  <a16:creationId xmlns:a16="http://schemas.microsoft.com/office/drawing/2014/main" id="{D80AB685-F3D0-8851-519F-977B1AC91A5F}"/>
+                </a:ext>
+              </a:extLst>
+            </p:cNvPr>
+            <p:cNvSpPr/>
+            <p:nvPr/>
+          </p:nvSpPr>
+          <p:spPr>
+            <a:xfrm>
+              <a:off x="3646337" y="1325458"/>
+              <a:ext cx="1717289" cy="1029224"/>
+            </a:xfrm>
+            <a:prstGeom prst="rect">
+              <a:avLst/>
+            </a:prstGeom>
+            <a:noFill/>
+            <a:ln w="3175">
+              <a:solidFill>
+                <a:schemeClr val="tx2"/>
+              </a:solidFill>
+              <a:prstDash val="dash"/>
+            </a:ln>
+          </p:spPr>
+          <p:style>
+            <a:lnRef idx="2">
+              <a:schemeClr val="accent1">
+                <a:shade val="50000"/>
+              </a:schemeClr>
+            </a:lnRef>
+            <a:fillRef idx="1">
+              <a:schemeClr val="accent1"/>
+            </a:fillRef>
+            <a:effectRef idx="0">
+              <a:schemeClr val="accent1"/>
+            </a:effectRef>
+            <a:fontRef idx="minor">
+              <a:schemeClr val="lt1"/>
+            </a:fontRef>
+          </p:style>
+          <p:txBody>
+            <a:bodyPr rtlCol="0" anchor="ctr"/>
+            <a:lstStyle/>
+            <a:p>
+              <a:pPr algn="ctr"/>
+              <a:endParaRPr lang="en-US" sz="800" dirty="0">
+                <a:ln>
+                  <a:solidFill>
+                    <a:schemeClr val="tx1"/>
+                  </a:solidFill>
+                  <a:prstDash val="sysDash"/>
+                </a:ln>
+                <a:solidFill>
+                  <a:schemeClr val="tx2"/>
+                </a:solidFill>
+              </a:endParaRPr>
+            </a:p>
+          </p:txBody>
+        </p:sp>
+        <p:sp>
+          <p:nvSpPr>
+            <p:cNvPr id="57" name="Rectangle 56">
+              <a:extLst>
+                <a:ext uri="{FF2B5EF4-FFF2-40B4-BE49-F238E27FC236}">
+                  <a16:creationId xmlns:a16="http://schemas.microsoft.com/office/drawing/2014/main" id="{9871E1A5-B67D-3DE7-617A-5F564D8A840F}"/>
+                </a:ext>
+              </a:extLst>
+            </p:cNvPr>
+            <p:cNvSpPr/>
+            <p:nvPr/>
+          </p:nvSpPr>
+          <p:spPr>
+            <a:xfrm>
+              <a:off x="3764664" y="1419465"/>
+              <a:ext cx="1499684" cy="188142"/>
+            </a:xfrm>
+            <a:prstGeom prst="rect">
+              <a:avLst/>
+            </a:prstGeom>
+            <a:solidFill>
+              <a:schemeClr val="tx2">
+                <a:lumMod val="25000"/>
+                <a:lumOff val="75000"/>
+              </a:schemeClr>
+            </a:solidFill>
+            <a:ln w="3175">
+              <a:solidFill>
+                <a:schemeClr val="accent1"/>
+              </a:solidFill>
+            </a:ln>
+          </p:spPr>
+          <p:style>
+            <a:lnRef idx="2">
+              <a:schemeClr val="accent1">
+                <a:shade val="50000"/>
+              </a:schemeClr>
+            </a:lnRef>
+            <a:fillRef idx="1">
+              <a:schemeClr val="accent1"/>
+            </a:fillRef>
+            <a:effectRef idx="0">
+              <a:schemeClr val="accent1"/>
+            </a:effectRef>
+            <a:fontRef idx="minor">
+              <a:schemeClr val="lt1"/>
+            </a:fontRef>
+          </p:style>
+          <p:txBody>
+            <a:bodyPr rtlCol="0" anchor="ctr"/>
+            <a:lstStyle/>
+            <a:p>
+              <a:pPr algn="ctr"/>
+              <a:endParaRPr lang="en-US" sz="700" dirty="0">
+                <a:solidFill>
+                  <a:schemeClr val="tx2"/>
+                </a:solidFill>
+              </a:endParaRPr>
+            </a:p>
+          </p:txBody>
+        </p:sp>
+      </p:grpSp>
+      <p:sp>
+        <p:nvSpPr>
+          <p:cNvPr id="58" name="Rectangle 57">
+            <a:extLst>
+              <a:ext uri="{FF2B5EF4-FFF2-40B4-BE49-F238E27FC236}">
+                <a16:creationId xmlns:a16="http://schemas.microsoft.com/office/drawing/2014/main" id="{2E2F2F5C-AF80-95AE-8764-B6D4F8AF36BC}"/>
+              </a:ext>
+            </a:extLst>
+          </p:cNvPr>
+          <p:cNvSpPr/>
+          <p:nvPr/>
+        </p:nvSpPr>
+        <p:spPr>
+          <a:xfrm rot="16200000">
+            <a:off x="2198378" y="2164891"/>
+            <a:ext cx="1654929" cy="414195"/>
+          </a:xfrm>
+          <a:prstGeom prst="rect">
+            <a:avLst/>
+          </a:prstGeom>
+          <a:solidFill>
+            <a:schemeClr val="accent4">
+              <a:lumMod val="75000"/>
+            </a:schemeClr>
+          </a:solidFill>
+          <a:ln w="3175">
+            <a:solidFill>
+              <a:srgbClr val="00B050"/>
+            </a:solidFill>
+          </a:ln>
+        </p:spPr>
+        <p:style>
+          <a:lnRef idx="2">
+            <a:schemeClr val="accent1">
+              <a:shade val="50000"/>
+            </a:schemeClr>
+          </a:lnRef>
+          <a:fillRef idx="1">
+            <a:schemeClr val="accent1"/>
+          </a:fillRef>
+          <a:effectRef idx="0">
+            <a:schemeClr val="accent1"/>
+          </a:effectRef>
+          <a:fontRef idx="minor">
+            <a:schemeClr val="lt1"/>
+          </a:fontRef>
+        </p:style>
+        <p:txBody>
+          <a:bodyPr rtlCol="0" anchor="ctr"/>
+          <a:lstStyle/>
+          <a:p>
+            <a:pPr algn="ctr"/>
+            <a:r>
+              <a:rPr lang="en-US" sz="700" dirty="0">
+                <a:solidFill>
+                  <a:schemeClr val="accent1">
+                    <a:lumMod val="20000"/>
+                    <a:lumOff val="80000"/>
+                  </a:schemeClr>
+                </a:solidFill>
+              </a:rPr>
+              <a:t>Code Repository</a:t>
+            </a:r>
+          </a:p>
+        </p:txBody>
+      </p:sp>
+      <p:cxnSp>
+        <p:nvCxnSpPr>
+          <p:cNvPr id="60" name="Straight Arrow Connector 59">
+            <a:extLst>
+              <a:ext uri="{FF2B5EF4-FFF2-40B4-BE49-F238E27FC236}">
+                <a16:creationId xmlns:a16="http://schemas.microsoft.com/office/drawing/2014/main" id="{EE09573A-0F5B-D0AD-2EDE-53ED59644728}"/>
+              </a:ext>
+            </a:extLst>
+          </p:cNvPr>
+          <p:cNvCxnSpPr>
+            <a:cxnSpLocks/>
+            <a:stCxn id="45" idx="1"/>
+            <a:endCxn id="53" idx="3"/>
+          </p:cNvCxnSpPr>
+          <p:nvPr/>
+        </p:nvCxnSpPr>
+        <p:spPr>
+          <a:xfrm flipH="1">
+            <a:off x="5000489" y="2371990"/>
+            <a:ext cx="363734" cy="0"/>
+          </a:xfrm>
+          <a:prstGeom prst="straightConnector1">
+            <a:avLst/>
+          </a:prstGeom>
+          <a:ln w="3175">
+            <a:solidFill>
+              <a:schemeClr val="accent2"/>
+            </a:solidFill>
+            <a:headEnd type="triangle" w="sm" len="sm"/>
+            <a:tailEnd type="triangle" w="sm" len="sm"/>
+          </a:ln>
+        </p:spPr>
+        <p:style>
+          <a:lnRef idx="2">
+            <a:schemeClr val="accent1"/>
+          </a:lnRef>
+          <a:fillRef idx="0">
+            <a:schemeClr val="accent1"/>
+          </a:fillRef>
+          <a:effectRef idx="1">
+            <a:schemeClr val="accent1"/>
+          </a:effectRef>
+          <a:fontRef idx="minor">
+            <a:schemeClr val="tx1"/>
+          </a:fontRef>
+        </p:style>
+      </p:cxnSp>
+      <p:cxnSp>
+        <p:nvCxnSpPr>
+          <p:cNvPr id="65" name="Straight Arrow Connector 64">
+            <a:extLst>
+              <a:ext uri="{FF2B5EF4-FFF2-40B4-BE49-F238E27FC236}">
+                <a16:creationId xmlns:a16="http://schemas.microsoft.com/office/drawing/2014/main" id="{1AA0BD5E-48F9-FF26-668A-9800151E49AA}"/>
+              </a:ext>
+            </a:extLst>
+          </p:cNvPr>
+          <p:cNvCxnSpPr>
+            <a:cxnSpLocks/>
+          </p:cNvCxnSpPr>
+          <p:nvPr/>
+        </p:nvCxnSpPr>
+        <p:spPr>
+          <a:xfrm>
+            <a:off x="5924677" y="660200"/>
+            <a:ext cx="0" cy="1300830"/>
+          </a:xfrm>
+          <a:prstGeom prst="straightConnector1">
+            <a:avLst/>
+          </a:prstGeom>
+          <a:ln w="3175">
+            <a:solidFill>
+              <a:schemeClr val="accent2">
+                <a:lumMod val="75000"/>
+              </a:schemeClr>
+            </a:solidFill>
+            <a:headEnd type="triangle" w="sm" len="sm"/>
+            <a:tailEnd type="triangle" w="sm" len="sm"/>
+          </a:ln>
+        </p:spPr>
+        <p:style>
+          <a:lnRef idx="2">
+            <a:schemeClr val="accent1"/>
+          </a:lnRef>
+          <a:fillRef idx="0">
+            <a:schemeClr val="accent1"/>
+          </a:fillRef>
+          <a:effectRef idx="1">
+            <a:schemeClr val="accent1"/>
+          </a:effectRef>
+          <a:fontRef idx="minor">
+            <a:schemeClr val="tx1"/>
+          </a:fontRef>
+        </p:style>
+      </p:cxnSp>
+      <p:cxnSp>
+        <p:nvCxnSpPr>
+          <p:cNvPr id="69" name="Straight Arrow Connector 68">
+            <a:extLst>
+              <a:ext uri="{FF2B5EF4-FFF2-40B4-BE49-F238E27FC236}">
+                <a16:creationId xmlns:a16="http://schemas.microsoft.com/office/drawing/2014/main" id="{F847DD7A-B1C6-658C-E6FA-08524E59E622}"/>
+              </a:ext>
+            </a:extLst>
+          </p:cNvPr>
+          <p:cNvCxnSpPr>
+            <a:cxnSpLocks/>
+          </p:cNvCxnSpPr>
+          <p:nvPr/>
+        </p:nvCxnSpPr>
+        <p:spPr>
+          <a:xfrm>
+            <a:off x="6104614" y="1076092"/>
+            <a:ext cx="0" cy="794018"/>
+          </a:xfrm>
+          <a:prstGeom prst="straightConnector1">
+            <a:avLst/>
+          </a:prstGeom>
+          <a:ln w="3175">
+            <a:solidFill>
+              <a:schemeClr val="accent2">
+                <a:lumMod val="75000"/>
+              </a:schemeClr>
+            </a:solidFill>
+            <a:headEnd type="triangle" w="sm" len="sm"/>
+            <a:tailEnd type="triangle" w="sm" len="sm"/>
+          </a:ln>
+        </p:spPr>
+        <p:style>
+          <a:lnRef idx="2">
+            <a:schemeClr val="accent1"/>
+          </a:lnRef>
+          <a:fillRef idx="0">
+            <a:schemeClr val="accent1"/>
+          </a:fillRef>
+          <a:effectRef idx="1">
+            <a:schemeClr val="accent1"/>
+          </a:effectRef>
+          <a:fontRef idx="minor">
+            <a:schemeClr val="tx1"/>
+          </a:fontRef>
+        </p:style>
+      </p:cxnSp>
+      <p:cxnSp>
+        <p:nvCxnSpPr>
+          <p:cNvPr id="75" name="Straight Arrow Connector 74">
+            <a:extLst>
+              <a:ext uri="{FF2B5EF4-FFF2-40B4-BE49-F238E27FC236}">
+                <a16:creationId xmlns:a16="http://schemas.microsoft.com/office/drawing/2014/main" id="{C68D6633-3CE6-B820-32A7-8BFC0D1874B6}"/>
+              </a:ext>
+            </a:extLst>
+          </p:cNvPr>
+          <p:cNvCxnSpPr>
+            <a:cxnSpLocks/>
+            <a:stCxn id="42" idx="0"/>
+            <a:endCxn id="45" idx="3"/>
+          </p:cNvCxnSpPr>
+          <p:nvPr/>
+        </p:nvCxnSpPr>
+        <p:spPr>
+          <a:xfrm flipH="1">
+            <a:off x="6863907" y="2371989"/>
+            <a:ext cx="344399" cy="1"/>
+          </a:xfrm>
+          <a:prstGeom prst="straightConnector1">
+            <a:avLst/>
+          </a:prstGeom>
+          <a:ln w="3175">
+            <a:solidFill>
+              <a:schemeClr val="accent2">
+                <a:lumMod val="75000"/>
+              </a:schemeClr>
+            </a:solidFill>
+            <a:headEnd type="triangle" w="sm" len="sm"/>
+            <a:tailEnd type="triangle" w="sm" len="sm"/>
+          </a:ln>
+        </p:spPr>
+        <p:style>
+          <a:lnRef idx="2">
+            <a:schemeClr val="accent1"/>
+          </a:lnRef>
+          <a:fillRef idx="0">
+            <a:schemeClr val="accent1"/>
+          </a:fillRef>
+          <a:effectRef idx="1">
+            <a:schemeClr val="accent1"/>
+          </a:effectRef>
+          <a:fontRef idx="minor">
+            <a:schemeClr val="tx1"/>
+          </a:fontRef>
+        </p:style>
+      </p:cxnSp>
+      <p:sp>
+        <p:nvSpPr>
+          <p:cNvPr id="95" name="TextBox 94">
+            <a:extLst>
+              <a:ext uri="{FF2B5EF4-FFF2-40B4-BE49-F238E27FC236}">
+                <a16:creationId xmlns:a16="http://schemas.microsoft.com/office/drawing/2014/main" id="{06B1AE58-C865-3C77-CAB8-B57B70201A71}"/>
+              </a:ext>
+            </a:extLst>
+          </p:cNvPr>
+          <p:cNvSpPr txBox="1"/>
+          <p:nvPr/>
+        </p:nvSpPr>
+        <p:spPr>
+          <a:xfrm>
+            <a:off x="3478527" y="1969268"/>
+            <a:ext cx="1080901" cy="200055"/>
+          </a:xfrm>
+          <a:prstGeom prst="rect">
+            <a:avLst/>
+          </a:prstGeom>
+          <a:noFill/>
+        </p:spPr>
+        <p:txBody>
+          <a:bodyPr wrap="square" rtlCol="0">
+            <a:spAutoFit/>
+          </a:bodyPr>
+          <a:lstStyle/>
+          <a:p>
+            <a:r>
+              <a:rPr lang="en-US" sz="700" dirty="0"/>
+              <a:t>GVisor</a:t>
+            </a:r>
+          </a:p>
+        </p:txBody>
+      </p:sp>
+      <p:sp>
+        <p:nvSpPr>
+          <p:cNvPr id="96" name="Rectangle 95">
+            <a:extLst>
+              <a:ext uri="{FF2B5EF4-FFF2-40B4-BE49-F238E27FC236}">
+                <a16:creationId xmlns:a16="http://schemas.microsoft.com/office/drawing/2014/main" id="{450818D6-8CD1-B5A7-D40C-2DF33F284DC4}"/>
+              </a:ext>
+            </a:extLst>
+          </p:cNvPr>
+          <p:cNvSpPr/>
+          <p:nvPr/>
+        </p:nvSpPr>
+        <p:spPr>
+          <a:xfrm>
+            <a:off x="2775190" y="3376474"/>
+            <a:ext cx="929595" cy="726314"/>
+          </a:xfrm>
+          <a:prstGeom prst="rect">
+            <a:avLst/>
+          </a:prstGeom>
+          <a:solidFill>
+            <a:schemeClr val="accent4">
+              <a:lumMod val="75000"/>
+            </a:schemeClr>
+          </a:solidFill>
+          <a:ln w="3175">
+            <a:solidFill>
+              <a:srgbClr val="00B050"/>
+            </a:solidFill>
+          </a:ln>
+        </p:spPr>
+        <p:style>
+          <a:lnRef idx="2">
+            <a:schemeClr val="accent1">
+              <a:shade val="50000"/>
+            </a:schemeClr>
+          </a:lnRef>
+          <a:fillRef idx="1">
+            <a:schemeClr val="accent1"/>
+          </a:fillRef>
+          <a:effectRef idx="0">
+            <a:schemeClr val="accent1"/>
+          </a:effectRef>
+          <a:fontRef idx="minor">
+            <a:schemeClr val="lt1"/>
+          </a:fontRef>
+        </p:style>
+        <p:txBody>
+          <a:bodyPr rtlCol="0" anchor="ctr"/>
+          <a:lstStyle/>
+          <a:p>
+            <a:pPr algn="ctr"/>
+            <a:r>
+              <a:rPr lang="en-US" sz="700" dirty="0">
+                <a:solidFill>
+                  <a:schemeClr val="accent1">
+                    <a:lumMod val="20000"/>
+                    <a:lumOff val="80000"/>
+                  </a:schemeClr>
+                </a:solidFill>
+              </a:rPr>
+              <a:t>External Systems and Databases</a:t>
+            </a:r>
+          </a:p>
+        </p:txBody>
+      </p:sp>
+      <p:cxnSp>
+        <p:nvCxnSpPr>
+          <p:cNvPr id="97" name="Straight Arrow Connector 96">
+            <a:extLst>
+              <a:ext uri="{FF2B5EF4-FFF2-40B4-BE49-F238E27FC236}">
+                <a16:creationId xmlns:a16="http://schemas.microsoft.com/office/drawing/2014/main" id="{A602DE14-8C98-2405-93F3-88FC05259FE6}"/>
+              </a:ext>
+            </a:extLst>
+          </p:cNvPr>
+          <p:cNvCxnSpPr>
+            <a:cxnSpLocks/>
+            <a:stCxn id="48" idx="2"/>
+            <a:endCxn id="96" idx="3"/>
+          </p:cNvCxnSpPr>
+          <p:nvPr/>
+        </p:nvCxnSpPr>
+        <p:spPr>
+          <a:xfrm flipH="1">
+            <a:off x="3704785" y="2899334"/>
+            <a:ext cx="2399830" cy="840297"/>
+          </a:xfrm>
+          <a:prstGeom prst="straightConnector1">
+            <a:avLst/>
+          </a:prstGeom>
+          <a:ln w="3175">
+            <a:solidFill>
+              <a:schemeClr val="accent2"/>
+            </a:solidFill>
+            <a:headEnd type="triangle" w="sm" len="sm"/>
+            <a:tailEnd type="triangle" w="sm" len="sm"/>
+          </a:ln>
+        </p:spPr>
+        <p:style>
+          <a:lnRef idx="2">
+            <a:schemeClr val="accent1"/>
+          </a:lnRef>
+          <a:fillRef idx="0">
+            <a:schemeClr val="accent1"/>
+          </a:fillRef>
+          <a:effectRef idx="1">
+            <a:schemeClr val="accent1"/>
+          </a:effectRef>
+          <a:fontRef idx="minor">
+            <a:schemeClr val="tx1"/>
+          </a:fontRef>
+        </p:style>
+      </p:cxnSp>
+      <p:cxnSp>
+        <p:nvCxnSpPr>
+          <p:cNvPr id="111" name="Straight Arrow Connector 110">
+            <a:extLst>
+              <a:ext uri="{FF2B5EF4-FFF2-40B4-BE49-F238E27FC236}">
+                <a16:creationId xmlns:a16="http://schemas.microsoft.com/office/drawing/2014/main" id="{63F33A61-C52B-58D6-771D-76075F7B9F57}"/>
+              </a:ext>
+            </a:extLst>
+          </p:cNvPr>
+          <p:cNvCxnSpPr>
+            <a:cxnSpLocks/>
+            <a:stCxn id="53" idx="1"/>
+            <a:endCxn id="58" idx="2"/>
+          </p:cNvCxnSpPr>
+          <p:nvPr/>
+        </p:nvCxnSpPr>
+        <p:spPr>
+          <a:xfrm flipH="1" flipV="1">
+            <a:off x="3232940" y="2371988"/>
+            <a:ext cx="267865" cy="2"/>
+          </a:xfrm>
+          <a:prstGeom prst="straightConnector1">
+            <a:avLst/>
+          </a:prstGeom>
+          <a:ln w="3175">
+            <a:solidFill>
+              <a:schemeClr val="accent2">
+                <a:lumMod val="75000"/>
+              </a:schemeClr>
+            </a:solidFill>
+            <a:headEnd type="triangle" w="sm" len="sm"/>
+            <a:tailEnd type="triangle" w="sm" len="sm"/>
+          </a:ln>
+        </p:spPr>
+        <p:style>
+          <a:lnRef idx="2">
+            <a:schemeClr val="accent1"/>
+          </a:lnRef>
+          <a:fillRef idx="0">
+            <a:schemeClr val="accent1"/>
+          </a:fillRef>
+          <a:effectRef idx="1">
+            <a:schemeClr val="accent1"/>
+          </a:effectRef>
+          <a:fontRef idx="minor">
+            <a:schemeClr val="tx1"/>
+          </a:fontRef>
+        </p:style>
+      </p:cxnSp>
+      <p:grpSp>
+        <p:nvGrpSpPr>
+          <p:cNvPr id="121" name="Group 120">
+            <a:extLst>
+              <a:ext uri="{FF2B5EF4-FFF2-40B4-BE49-F238E27FC236}">
+                <a16:creationId xmlns:a16="http://schemas.microsoft.com/office/drawing/2014/main" id="{2A1EC48E-67B6-90BB-D913-FBD8C4B0A686}"/>
+              </a:ext>
+            </a:extLst>
+          </p:cNvPr>
+          <p:cNvGrpSpPr/>
+          <p:nvPr/>
+        </p:nvGrpSpPr>
+        <p:grpSpPr>
+          <a:xfrm>
+            <a:off x="8045016" y="1655560"/>
+            <a:ext cx="2306597" cy="1654929"/>
+            <a:chOff x="127317" y="156750"/>
+            <a:chExt cx="2306597" cy="1654929"/>
+          </a:xfrm>
+        </p:grpSpPr>
+        <p:sp>
+          <p:nvSpPr>
+            <p:cNvPr id="122" name="Rectangle 121">
+              <a:extLst>
+                <a:ext uri="{FF2B5EF4-FFF2-40B4-BE49-F238E27FC236}">
+                  <a16:creationId xmlns:a16="http://schemas.microsoft.com/office/drawing/2014/main" id="{AF518BAF-9648-1C26-3530-EAB2216DBE14}"/>
+                </a:ext>
+              </a:extLst>
+            </p:cNvPr>
+            <p:cNvSpPr/>
+            <p:nvPr/>
+          </p:nvSpPr>
+          <p:spPr>
+            <a:xfrm>
+              <a:off x="127319" y="156750"/>
+              <a:ext cx="2306595" cy="1654929"/>
+            </a:xfrm>
+            <a:prstGeom prst="rect">
+              <a:avLst/>
+            </a:prstGeom>
+            <a:noFill/>
+            <a:ln w="3175" cmpd="sng">
+              <a:solidFill>
+                <a:schemeClr val="tx1"/>
+              </a:solidFill>
+              <a:prstDash val="lgDash"/>
+            </a:ln>
+          </p:spPr>
+          <p:style>
+            <a:lnRef idx="2">
+              <a:schemeClr val="accent1">
+                <a:shade val="50000"/>
+              </a:schemeClr>
+            </a:lnRef>
+            <a:fillRef idx="1">
+              <a:schemeClr val="accent1"/>
+            </a:fillRef>
+            <a:effectRef idx="0">
+              <a:schemeClr val="accent1"/>
+            </a:effectRef>
+            <a:fontRef idx="minor">
+              <a:schemeClr val="lt1"/>
+            </a:fontRef>
+          </p:style>
+          <p:txBody>
+            <a:bodyPr rtlCol="0" anchor="ctr"/>
+            <a:lstStyle/>
+            <a:p>
+              <a:pPr algn="ctr"/>
+              <a:endParaRPr lang="en-US" dirty="0"/>
+            </a:p>
+          </p:txBody>
+        </p:sp>
+        <p:sp>
+          <p:nvSpPr>
+            <p:cNvPr id="123" name="TextBox 122">
+              <a:extLst>
+                <a:ext uri="{FF2B5EF4-FFF2-40B4-BE49-F238E27FC236}">
+                  <a16:creationId xmlns:a16="http://schemas.microsoft.com/office/drawing/2014/main" id="{A6490993-635F-BCE8-9015-E9415D7C21A0}"/>
+                </a:ext>
+              </a:extLst>
+            </p:cNvPr>
+            <p:cNvSpPr txBox="1"/>
+            <p:nvPr/>
+          </p:nvSpPr>
+          <p:spPr>
+            <a:xfrm>
+              <a:off x="127319" y="156750"/>
+              <a:ext cx="2306595" cy="261610"/>
+            </a:xfrm>
+            <a:prstGeom prst="rect">
+              <a:avLst/>
+            </a:prstGeom>
+            <a:noFill/>
+          </p:spPr>
+          <p:txBody>
+            <a:bodyPr wrap="square" rtlCol="0">
+              <a:spAutoFit/>
+            </a:bodyPr>
+            <a:lstStyle/>
+            <a:p>
+              <a:r>
+                <a:rPr lang="en-US" sz="1050" i="1" dirty="0"/>
+                <a:t>Python Runner (OPTIONAL)</a:t>
+              </a:r>
+            </a:p>
+          </p:txBody>
+        </p:sp>
+        <p:sp>
+          <p:nvSpPr>
+            <p:cNvPr id="124" name="TextBox 123">
+              <a:extLst>
+                <a:ext uri="{FF2B5EF4-FFF2-40B4-BE49-F238E27FC236}">
+                  <a16:creationId xmlns:a16="http://schemas.microsoft.com/office/drawing/2014/main" id="{BD0531C4-EF62-ACE1-2902-31EDB7FCFAF3}"/>
+                </a:ext>
+              </a:extLst>
+            </p:cNvPr>
+            <p:cNvSpPr txBox="1"/>
+            <p:nvPr/>
+          </p:nvSpPr>
+          <p:spPr>
+            <a:xfrm>
+              <a:off x="127318" y="416228"/>
+              <a:ext cx="2306595" cy="184666"/>
+            </a:xfrm>
+            <a:prstGeom prst="rect">
+              <a:avLst/>
+            </a:prstGeom>
+            <a:noFill/>
+          </p:spPr>
+          <p:txBody>
+            <a:bodyPr wrap="square" rtlCol="0">
+              <a:spAutoFit/>
+            </a:bodyPr>
+            <a:lstStyle/>
+            <a:p>
+              <a:r>
+                <a:rPr lang="en-US" sz="600" i="1" dirty="0"/>
+                <a:t>Technologies: GVisor and Python + PEX</a:t>
+              </a:r>
+            </a:p>
+          </p:txBody>
+        </p:sp>
+        <p:sp>
+          <p:nvSpPr>
+            <p:cNvPr id="125" name="TextBox 124">
+              <a:extLst>
+                <a:ext uri="{FF2B5EF4-FFF2-40B4-BE49-F238E27FC236}">
+                  <a16:creationId xmlns:a16="http://schemas.microsoft.com/office/drawing/2014/main" id="{4F31E4AE-7C5E-DAEA-6E1B-2230305297AC}"/>
+                </a:ext>
+              </a:extLst>
+            </p:cNvPr>
+            <p:cNvSpPr txBox="1"/>
+            <p:nvPr/>
+          </p:nvSpPr>
+          <p:spPr>
+            <a:xfrm>
+              <a:off x="127317" y="600894"/>
+              <a:ext cx="2306595" cy="1107996"/>
+            </a:xfrm>
+            <a:prstGeom prst="rect">
+              <a:avLst/>
+            </a:prstGeom>
+            <a:noFill/>
+          </p:spPr>
+          <p:txBody>
+            <a:bodyPr wrap="square" rtlCol="0">
+              <a:spAutoFit/>
+            </a:bodyPr>
+            <a:lstStyle/>
+            <a:p>
+              <a:r>
+                <a:rPr lang="en-US" sz="600" i="1" dirty="0"/>
+                <a:t>The Python runner is a stateless Python runtime that executes user defined scripts.</a:t>
+              </a:r>
+            </a:p>
+            <a:p>
+              <a:r>
+                <a:rPr lang="en-US" sz="600" i="1" dirty="0"/>
+                <a:t>Those scripts can consume data stored in the main warehouse (always through KAWA and its APIs), and generate data that can be inserted into the warehouse.</a:t>
+              </a:r>
+            </a:p>
+            <a:p>
+              <a:endParaRPr lang="en-US" sz="600" i="1" dirty="0"/>
+            </a:p>
+            <a:p>
+              <a:r>
+                <a:rPr lang="en-US" sz="600" i="1" dirty="0"/>
+                <a:t>The runtime is secured using the GVisor runtime. </a:t>
+              </a:r>
+            </a:p>
+            <a:p>
+              <a:r>
+                <a:rPr lang="en-US" sz="600" i="1" dirty="0"/>
+                <a:t>One runner can be set per KAWA workspace.</a:t>
+              </a:r>
+            </a:p>
+            <a:p>
+              <a:endParaRPr lang="en-US" sz="600" i="1" dirty="0"/>
+            </a:p>
+            <a:p>
+              <a:r>
+                <a:rPr lang="en-US" sz="600" i="1" dirty="0"/>
+                <a:t>Each runner connects to a third party code repository implementing the git protocol such as GitHub or Gitlab.</a:t>
+              </a:r>
+            </a:p>
+          </p:txBody>
+        </p:sp>
+      </p:grpSp>
+      <p:sp>
+        <p:nvSpPr>
+          <p:cNvPr id="127" name="Rectangle 126">
+            <a:extLst>
+              <a:ext uri="{FF2B5EF4-FFF2-40B4-BE49-F238E27FC236}">
+                <a16:creationId xmlns:a16="http://schemas.microsoft.com/office/drawing/2014/main" id="{87616BDA-0F19-3F3A-39E5-AECB7F7F9630}"/>
+              </a:ext>
+            </a:extLst>
+          </p:cNvPr>
+          <p:cNvSpPr/>
+          <p:nvPr/>
+        </p:nvSpPr>
+        <p:spPr>
+          <a:xfrm>
+            <a:off x="5915380" y="3595510"/>
+            <a:ext cx="929595" cy="726314"/>
+          </a:xfrm>
+          <a:prstGeom prst="rect">
+            <a:avLst/>
+          </a:prstGeom>
+          <a:solidFill>
+            <a:schemeClr val="accent4">
+              <a:lumMod val="75000"/>
+            </a:schemeClr>
+          </a:solidFill>
+          <a:ln w="3175">
+            <a:solidFill>
+              <a:srgbClr val="00B050"/>
+            </a:solidFill>
+          </a:ln>
+        </p:spPr>
+        <p:style>
+          <a:lnRef idx="2">
+            <a:schemeClr val="accent1">
+              <a:shade val="50000"/>
+            </a:schemeClr>
+          </a:lnRef>
+          <a:fillRef idx="1">
+            <a:schemeClr val="accent1"/>
+          </a:fillRef>
+          <a:effectRef idx="0">
+            <a:schemeClr val="accent1"/>
+          </a:effectRef>
+          <a:fontRef idx="minor">
+            <a:schemeClr val="lt1"/>
+          </a:fontRef>
+        </p:style>
+        <p:txBody>
+          <a:bodyPr rtlCol="0" anchor="ctr"/>
+          <a:lstStyle/>
+          <a:p>
+            <a:pPr algn="ctr"/>
+            <a:r>
+              <a:rPr lang="en-US" sz="700" dirty="0">
+                <a:solidFill>
+                  <a:schemeClr val="accent1">
+                    <a:lumMod val="20000"/>
+                    <a:lumOff val="80000"/>
+                  </a:schemeClr>
+                </a:solidFill>
+              </a:rPr>
+              <a:t>Users and Clients</a:t>
+            </a:r>
+          </a:p>
+        </p:txBody>
+      </p:sp>
+      <p:cxnSp>
+        <p:nvCxnSpPr>
+          <p:cNvPr id="131" name="Straight Arrow Connector 130">
+            <a:extLst>
+              <a:ext uri="{FF2B5EF4-FFF2-40B4-BE49-F238E27FC236}">
+                <a16:creationId xmlns:a16="http://schemas.microsoft.com/office/drawing/2014/main" id="{BB87E545-AD83-8D94-1457-07D898219848}"/>
+              </a:ext>
+            </a:extLst>
+          </p:cNvPr>
+          <p:cNvCxnSpPr>
+            <a:cxnSpLocks/>
+            <a:stCxn id="56" idx="2"/>
+            <a:endCxn id="96" idx="0"/>
+          </p:cNvCxnSpPr>
+          <p:nvPr/>
+        </p:nvCxnSpPr>
+        <p:spPr>
+          <a:xfrm flipH="1">
+            <a:off x="3239988" y="2899334"/>
+            <a:ext cx="1001209" cy="477140"/>
+          </a:xfrm>
+          <a:prstGeom prst="straightConnector1">
+            <a:avLst/>
+          </a:prstGeom>
+          <a:ln w="3175">
+            <a:solidFill>
+              <a:schemeClr val="accent2"/>
+            </a:solidFill>
+            <a:headEnd type="triangle" w="sm" len="sm"/>
+            <a:tailEnd type="triangle" w="sm" len="sm"/>
+          </a:ln>
+        </p:spPr>
+        <p:style>
+          <a:lnRef idx="2">
+            <a:schemeClr val="accent1"/>
+          </a:lnRef>
+          <a:fillRef idx="0">
+            <a:schemeClr val="accent1"/>
+          </a:fillRef>
+          <a:effectRef idx="1">
+            <a:schemeClr val="accent1"/>
+          </a:effectRef>
+          <a:fontRef idx="minor">
+            <a:schemeClr val="tx1"/>
+          </a:fontRef>
+        </p:style>
+      </p:cxnSp>
+      <p:cxnSp>
+        <p:nvCxnSpPr>
+          <p:cNvPr id="138" name="Straight Arrow Connector 137">
+            <a:extLst>
+              <a:ext uri="{FF2B5EF4-FFF2-40B4-BE49-F238E27FC236}">
+                <a16:creationId xmlns:a16="http://schemas.microsoft.com/office/drawing/2014/main" id="{691CC2D6-B771-A4E7-F208-EA7DC4D1D812}"/>
+              </a:ext>
+            </a:extLst>
+          </p:cNvPr>
+          <p:cNvCxnSpPr>
+            <a:cxnSpLocks/>
+            <a:endCxn id="127" idx="0"/>
+          </p:cNvCxnSpPr>
+          <p:nvPr/>
+        </p:nvCxnSpPr>
+        <p:spPr>
+          <a:xfrm>
+            <a:off x="6380178" y="2899334"/>
+            <a:ext cx="0" cy="696176"/>
+          </a:xfrm>
+          <a:prstGeom prst="straightConnector1">
+            <a:avLst/>
+          </a:prstGeom>
+          <a:ln w="3175">
+            <a:solidFill>
+              <a:schemeClr val="accent2">
+                <a:lumMod val="75000"/>
+              </a:schemeClr>
+            </a:solidFill>
+            <a:headEnd type="triangle" w="sm" len="sm"/>
+            <a:tailEnd type="triangle" w="sm" len="sm"/>
+          </a:ln>
+        </p:spPr>
+        <p:style>
+          <a:lnRef idx="2">
+            <a:schemeClr val="accent1"/>
+          </a:lnRef>
+          <a:fillRef idx="0">
+            <a:schemeClr val="accent1"/>
+          </a:fillRef>
+          <a:effectRef idx="1">
+            <a:schemeClr val="accent1"/>
+          </a:effectRef>
+          <a:fontRef idx="minor">
+            <a:schemeClr val="tx1"/>
+          </a:fontRef>
+        </p:style>
+      </p:cxnSp>
+      <p:pic>
+        <p:nvPicPr>
+          <p:cNvPr id="145" name="image1.png">
+            <a:extLst>
+              <a:ext uri="{FF2B5EF4-FFF2-40B4-BE49-F238E27FC236}">
+                <a16:creationId xmlns:a16="http://schemas.microsoft.com/office/drawing/2014/main" id="{4B44FB4B-A952-514A-E8A1-0CE0408BBDFF}"/>
+              </a:ext>
+            </a:extLst>
+          </p:cNvPr>
+          <p:cNvPicPr/>
+          <p:nvPr/>
+        </p:nvPicPr>
+        <p:blipFill>
+          <a:blip r:embed="rId2"/>
+          <a:srcRect/>
+          <a:stretch>
+            <a:fillRect/>
+          </a:stretch>
+        </p:blipFill>
+        <p:spPr>
+          <a:xfrm>
+            <a:off x="69237" y="6536783"/>
+            <a:ext cx="1149940" cy="270079"/>
+          </a:xfrm>
+          <a:prstGeom prst="rect">
+            <a:avLst/>
+          </a:prstGeom>
+          <a:ln/>
+        </p:spPr>
+      </p:pic>
+    </p:spTree>
+    <p:extLst>
+      <p:ext uri="{BB962C8B-B14F-4D97-AF65-F5344CB8AC3E}">
+        <p14:creationId xmlns:p14="http://schemas.microsoft.com/office/powerpoint/2010/main" val="13646179"/>
+      </p:ext>
+    </p:extLst>
+  </p:cSld>
+  <p:clrMapOvr>
+    <a:masterClrMapping/>
+  </p:clrMapOvr>
+</p:sld>
+</file>
+
+<file path=ppt/slides/slide3.xml><?xml version="1.0" encoding="utf-8"?>
+<p:sld xmlns:a="http://schemas.openxmlformats.org/drawingml/2006/main" xmlns:r="http://schemas.openxmlformats.org/officeDocument/2006/relationships" xmlns:p="http://schemas.openxmlformats.org/presentationml/2006/main">
+  <p:cSld>
+    <p:spTree>
+      <p:nvGrpSpPr>
+        <p:cNvPr id="1" name=""/>
+        <p:cNvGrpSpPr/>
+        <p:nvPr/>
+      </p:nvGrpSpPr>
+      <p:grpSpPr>
+        <a:xfrm>
+          <a:off x="0" y="0"/>
+          <a:ext cx="0" cy="0"/>
+          <a:chOff x="0" y="0"/>
+          <a:chExt cx="0" cy="0"/>
+        </a:xfrm>
+      </p:grpSpPr>
+      <p:sp>
+        <p:nvSpPr>
+          <p:cNvPr id="4" name="Rectangle 3">
+            <a:extLst>
+              <a:ext uri="{FF2B5EF4-FFF2-40B4-BE49-F238E27FC236}">
+                <a16:creationId xmlns:a16="http://schemas.microsoft.com/office/drawing/2014/main" id="{82C35D2E-E339-E3BC-6A9E-A0858FA25E49}"/>
+              </a:ext>
+            </a:extLst>
+          </p:cNvPr>
+          <p:cNvSpPr/>
+          <p:nvPr/>
+        </p:nvSpPr>
+        <p:spPr>
+          <a:xfrm>
+            <a:off x="5439290" y="2437176"/>
+            <a:ext cx="1170774" cy="1227135"/>
+          </a:xfrm>
+          <a:prstGeom prst="rect">
+            <a:avLst/>
+          </a:prstGeom>
+          <a:solidFill>
+            <a:schemeClr val="accent5">
+              <a:lumMod val="40000"/>
+              <a:lumOff val="60000"/>
+            </a:schemeClr>
+          </a:solidFill>
+          <a:ln w="3175">
+            <a:solidFill>
+              <a:schemeClr val="accent1"/>
+            </a:solidFill>
+          </a:ln>
+        </p:spPr>
+        <p:style>
+          <a:lnRef idx="2">
+            <a:schemeClr val="accent1">
+              <a:shade val="50000"/>
+            </a:schemeClr>
+          </a:lnRef>
+          <a:fillRef idx="1">
+            <a:schemeClr val="accent1"/>
+          </a:fillRef>
+          <a:effectRef idx="0">
+            <a:schemeClr val="accent1"/>
+          </a:effectRef>
+          <a:fontRef idx="minor">
+            <a:schemeClr val="lt1"/>
+          </a:fontRef>
+        </p:style>
+        <p:txBody>
+          <a:bodyPr rtlCol="0" anchor="ctr"/>
+          <a:lstStyle/>
+          <a:p>
+            <a:pPr algn="ctr"/>
+            <a:endParaRPr lang="en-US" sz="1050" dirty="0">
+              <a:solidFill>
+                <a:schemeClr val="accent6">
+                  <a:lumMod val="50000"/>
+                </a:schemeClr>
+              </a:solidFill>
+            </a:endParaRPr>
+          </a:p>
+        </p:txBody>
+      </p:sp>
+      <p:sp>
+        <p:nvSpPr>
+          <p:cNvPr id="5" name="TextBox 4">
+            <a:extLst>
+              <a:ext uri="{FF2B5EF4-FFF2-40B4-BE49-F238E27FC236}">
+                <a16:creationId xmlns:a16="http://schemas.microsoft.com/office/drawing/2014/main" id="{6EE0AC72-01CD-351E-7405-EB8E6412C9FF}"/>
+              </a:ext>
+            </a:extLst>
+          </p:cNvPr>
+          <p:cNvSpPr txBox="1"/>
+          <p:nvPr/>
+        </p:nvSpPr>
+        <p:spPr>
+          <a:xfrm>
+            <a:off x="5439290" y="2919938"/>
+            <a:ext cx="1170774" cy="261610"/>
+          </a:xfrm>
+          <a:prstGeom prst="rect">
+            <a:avLst/>
+          </a:prstGeom>
+          <a:noFill/>
+        </p:spPr>
+        <p:txBody>
+          <a:bodyPr wrap="square" rtlCol="0">
+            <a:spAutoFit/>
+          </a:bodyPr>
+          <a:lstStyle/>
+          <a:p>
+            <a:pPr algn="ctr"/>
+            <a:r>
+              <a:rPr lang="en-US" sz="1050" dirty="0">
+                <a:solidFill>
+                  <a:srgbClr val="002060"/>
+                </a:solidFill>
+              </a:rPr>
+              <a:t>KAWA server</a:t>
+            </a:r>
+          </a:p>
+        </p:txBody>
+      </p:sp>
+      <p:sp>
+        <p:nvSpPr>
+          <p:cNvPr id="6" name="Rectangle 5">
+            <a:extLst>
+              <a:ext uri="{FF2B5EF4-FFF2-40B4-BE49-F238E27FC236}">
+                <a16:creationId xmlns:a16="http://schemas.microsoft.com/office/drawing/2014/main" id="{078F29CF-6900-C8A7-9FEE-D948EF2425F9}"/>
+              </a:ext>
+            </a:extLst>
+          </p:cNvPr>
+          <p:cNvSpPr/>
+          <p:nvPr/>
+        </p:nvSpPr>
+        <p:spPr>
+          <a:xfrm>
+            <a:off x="5560711" y="3677092"/>
+            <a:ext cx="130629" cy="152400"/>
+          </a:xfrm>
+          <a:prstGeom prst="rect">
+            <a:avLst/>
+          </a:prstGeom>
+        </p:spPr>
+        <p:style>
+          <a:lnRef idx="2">
+            <a:schemeClr val="accent1">
+              <a:shade val="50000"/>
+            </a:schemeClr>
+          </a:lnRef>
+          <a:fillRef idx="1">
+            <a:schemeClr val="accent1"/>
+          </a:fillRef>
+          <a:effectRef idx="0">
+            <a:schemeClr val="accent1"/>
+          </a:effectRef>
+          <a:fontRef idx="minor">
+            <a:schemeClr val="lt1"/>
+          </a:fontRef>
+        </p:style>
+        <p:txBody>
+          <a:bodyPr rtlCol="0" anchor="ctr"/>
+          <a:lstStyle/>
+          <a:p>
+            <a:pPr algn="ctr"/>
+            <a:endParaRPr lang="en-US"/>
+          </a:p>
+        </p:txBody>
+      </p:sp>
+      <p:sp>
+        <p:nvSpPr>
+          <p:cNvPr id="7" name="Rectangle 6">
+            <a:extLst>
+              <a:ext uri="{FF2B5EF4-FFF2-40B4-BE49-F238E27FC236}">
+                <a16:creationId xmlns:a16="http://schemas.microsoft.com/office/drawing/2014/main" id="{D921C647-8506-1E23-64FA-027DE976FF23}"/>
+              </a:ext>
+            </a:extLst>
+          </p:cNvPr>
+          <p:cNvSpPr/>
+          <p:nvPr/>
+        </p:nvSpPr>
+        <p:spPr>
+          <a:xfrm>
+            <a:off x="3218920" y="4679633"/>
+            <a:ext cx="130629" cy="152400"/>
+          </a:xfrm>
+          <a:prstGeom prst="rect">
+            <a:avLst/>
+          </a:prstGeom>
+        </p:spPr>
+        <p:style>
+          <a:lnRef idx="2">
+            <a:schemeClr val="accent1">
+              <a:shade val="50000"/>
+            </a:schemeClr>
+          </a:lnRef>
+          <a:fillRef idx="1">
+            <a:schemeClr val="accent1"/>
+          </a:fillRef>
+          <a:effectRef idx="0">
+            <a:schemeClr val="accent1"/>
+          </a:effectRef>
+          <a:fontRef idx="minor">
+            <a:schemeClr val="lt1"/>
+          </a:fontRef>
+        </p:style>
+        <p:txBody>
+          <a:bodyPr rtlCol="0" anchor="ctr"/>
+          <a:lstStyle/>
+          <a:p>
+            <a:pPr algn="ctr"/>
+            <a:endParaRPr lang="en-US"/>
+          </a:p>
+        </p:txBody>
+      </p:sp>
+      <p:cxnSp>
+        <p:nvCxnSpPr>
+          <p:cNvPr id="8" name="Elbow Connector 7">
+            <a:extLst>
+              <a:ext uri="{FF2B5EF4-FFF2-40B4-BE49-F238E27FC236}">
+                <a16:creationId xmlns:a16="http://schemas.microsoft.com/office/drawing/2014/main" id="{01FE4A5E-B52D-881D-E78F-F7E3518C6029}"/>
+              </a:ext>
+            </a:extLst>
+          </p:cNvPr>
+          <p:cNvCxnSpPr>
+            <a:stCxn id="7" idx="0"/>
+            <a:endCxn id="6" idx="2"/>
+          </p:cNvCxnSpPr>
+          <p:nvPr/>
+        </p:nvCxnSpPr>
+        <p:spPr>
+          <a:xfrm rot="5400000" flipH="1" flipV="1">
+            <a:off x="4030060" y="3083668"/>
+            <a:ext cx="850141" cy="2341791"/>
+          </a:xfrm>
+          <a:prstGeom prst="bentConnector3">
+            <a:avLst/>
+          </a:prstGeom>
+          <a:ln>
+            <a:headEnd type="triangle"/>
+            <a:tailEnd type="triangle"/>
+          </a:ln>
+        </p:spPr>
+        <p:style>
+          <a:lnRef idx="1">
+            <a:schemeClr val="accent1"/>
+          </a:lnRef>
+          <a:fillRef idx="0">
+            <a:schemeClr val="accent1"/>
+          </a:fillRef>
+          <a:effectRef idx="0">
+            <a:schemeClr val="accent1"/>
+          </a:effectRef>
+          <a:fontRef idx="minor">
+            <a:schemeClr val="tx1"/>
+          </a:fontRef>
+        </p:style>
+      </p:cxnSp>
+      <p:sp>
+        <p:nvSpPr>
+          <p:cNvPr id="9" name="Rectangle 8">
+            <a:extLst>
+              <a:ext uri="{FF2B5EF4-FFF2-40B4-BE49-F238E27FC236}">
+                <a16:creationId xmlns:a16="http://schemas.microsoft.com/office/drawing/2014/main" id="{9B5152DB-5558-8610-0967-FF3C40BCBE1D}"/>
+              </a:ext>
+            </a:extLst>
+          </p:cNvPr>
+          <p:cNvSpPr/>
+          <p:nvPr/>
+        </p:nvSpPr>
+        <p:spPr>
+          <a:xfrm>
+            <a:off x="5959362" y="3664310"/>
+            <a:ext cx="130629" cy="152400"/>
+          </a:xfrm>
+          <a:prstGeom prst="rect">
+            <a:avLst/>
+          </a:prstGeom>
+        </p:spPr>
+        <p:style>
+          <a:lnRef idx="2">
+            <a:schemeClr val="accent1">
+              <a:shade val="50000"/>
+            </a:schemeClr>
+          </a:lnRef>
+          <a:fillRef idx="1">
+            <a:schemeClr val="accent1"/>
+          </a:fillRef>
+          <a:effectRef idx="0">
+            <a:schemeClr val="accent1"/>
+          </a:effectRef>
+          <a:fontRef idx="minor">
+            <a:schemeClr val="lt1"/>
+          </a:fontRef>
+        </p:style>
+        <p:txBody>
+          <a:bodyPr rtlCol="0" anchor="ctr"/>
+          <a:lstStyle/>
+          <a:p>
+            <a:pPr algn="ctr"/>
+            <a:endParaRPr lang="en-US"/>
+          </a:p>
+        </p:txBody>
+      </p:sp>
+      <p:sp>
+        <p:nvSpPr>
+          <p:cNvPr id="10" name="Rectangle 9">
+            <a:extLst>
+              <a:ext uri="{FF2B5EF4-FFF2-40B4-BE49-F238E27FC236}">
+                <a16:creationId xmlns:a16="http://schemas.microsoft.com/office/drawing/2014/main" id="{86B449DB-EDDD-B4FB-8505-A38472F57DB4}"/>
+              </a:ext>
+            </a:extLst>
+          </p:cNvPr>
+          <p:cNvSpPr/>
+          <p:nvPr/>
+        </p:nvSpPr>
+        <p:spPr>
+          <a:xfrm>
+            <a:off x="5959362" y="4679632"/>
+            <a:ext cx="130629" cy="152400"/>
+          </a:xfrm>
+          <a:prstGeom prst="rect">
+            <a:avLst/>
+          </a:prstGeom>
+        </p:spPr>
+        <p:style>
+          <a:lnRef idx="2">
+            <a:schemeClr val="accent1">
+              <a:shade val="50000"/>
+            </a:schemeClr>
+          </a:lnRef>
+          <a:fillRef idx="1">
+            <a:schemeClr val="accent1"/>
+          </a:fillRef>
+          <a:effectRef idx="0">
+            <a:schemeClr val="accent1"/>
+          </a:effectRef>
+          <a:fontRef idx="minor">
+            <a:schemeClr val="lt1"/>
+          </a:fontRef>
+        </p:style>
+        <p:txBody>
+          <a:bodyPr rtlCol="0" anchor="ctr"/>
+          <a:lstStyle/>
+          <a:p>
+            <a:pPr algn="ctr"/>
+            <a:endParaRPr lang="en-US"/>
+          </a:p>
+        </p:txBody>
+      </p:sp>
+      <p:cxnSp>
+        <p:nvCxnSpPr>
+          <p:cNvPr id="11" name="Straight Arrow Connector 10">
+            <a:extLst>
+              <a:ext uri="{FF2B5EF4-FFF2-40B4-BE49-F238E27FC236}">
+                <a16:creationId xmlns:a16="http://schemas.microsoft.com/office/drawing/2014/main" id="{3B0D78E2-F5A3-3240-FDE1-4F746CCDC51A}"/>
+              </a:ext>
+            </a:extLst>
+          </p:cNvPr>
+          <p:cNvCxnSpPr>
+            <a:stCxn id="9" idx="2"/>
+            <a:endCxn id="10" idx="0"/>
+          </p:cNvCxnSpPr>
+          <p:nvPr/>
+        </p:nvCxnSpPr>
+        <p:spPr>
+          <a:xfrm>
+            <a:off x="6024677" y="3816710"/>
+            <a:ext cx="0" cy="862922"/>
+          </a:xfrm>
+          <a:prstGeom prst="straightConnector1">
+            <a:avLst/>
+          </a:prstGeom>
+          <a:ln>
+            <a:headEnd type="triangle"/>
+            <a:tailEnd type="triangle"/>
+          </a:ln>
+        </p:spPr>
+        <p:style>
+          <a:lnRef idx="1">
+            <a:schemeClr val="accent1"/>
+          </a:lnRef>
+          <a:fillRef idx="0">
+            <a:schemeClr val="accent1"/>
+          </a:fillRef>
+          <a:effectRef idx="0">
+            <a:schemeClr val="accent1"/>
+          </a:effectRef>
+          <a:fontRef idx="minor">
+            <a:schemeClr val="tx1"/>
+          </a:fontRef>
+        </p:style>
+      </p:cxnSp>
+      <p:sp>
+        <p:nvSpPr>
+          <p:cNvPr id="12" name="Rectangle 11">
+            <a:extLst>
+              <a:ext uri="{FF2B5EF4-FFF2-40B4-BE49-F238E27FC236}">
+                <a16:creationId xmlns:a16="http://schemas.microsoft.com/office/drawing/2014/main" id="{3BF7B16F-69D8-3E35-F2E5-CFCCD342B5AD}"/>
+              </a:ext>
+            </a:extLst>
+          </p:cNvPr>
+          <p:cNvSpPr/>
+          <p:nvPr/>
+        </p:nvSpPr>
+        <p:spPr>
+          <a:xfrm>
+            <a:off x="6347063" y="3664310"/>
+            <a:ext cx="130629" cy="152400"/>
+          </a:xfrm>
+          <a:prstGeom prst="rect">
+            <a:avLst/>
+          </a:prstGeom>
+        </p:spPr>
+        <p:style>
+          <a:lnRef idx="2">
+            <a:schemeClr val="accent1">
+              <a:shade val="50000"/>
+            </a:schemeClr>
+          </a:lnRef>
+          <a:fillRef idx="1">
+            <a:schemeClr val="accent1"/>
+          </a:fillRef>
+          <a:effectRef idx="0">
+            <a:schemeClr val="accent1"/>
+          </a:effectRef>
+          <a:fontRef idx="minor">
+            <a:schemeClr val="lt1"/>
+          </a:fontRef>
+        </p:style>
+        <p:txBody>
+          <a:bodyPr rtlCol="0" anchor="ctr"/>
+          <a:lstStyle/>
+          <a:p>
+            <a:pPr algn="ctr"/>
+            <a:endParaRPr lang="en-US"/>
+          </a:p>
+        </p:txBody>
+      </p:sp>
+      <p:sp>
+        <p:nvSpPr>
+          <p:cNvPr id="13" name="Rectangle 12">
+            <a:extLst>
+              <a:ext uri="{FF2B5EF4-FFF2-40B4-BE49-F238E27FC236}">
+                <a16:creationId xmlns:a16="http://schemas.microsoft.com/office/drawing/2014/main" id="{669EDCB1-25ED-A3FB-0E4E-E15B7977228D}"/>
+              </a:ext>
+            </a:extLst>
+          </p:cNvPr>
+          <p:cNvSpPr/>
+          <p:nvPr/>
+        </p:nvSpPr>
+        <p:spPr>
+          <a:xfrm>
+            <a:off x="8612197" y="4671938"/>
+            <a:ext cx="130629" cy="152400"/>
+          </a:xfrm>
+          <a:prstGeom prst="rect">
+            <a:avLst/>
+          </a:prstGeom>
+        </p:spPr>
+        <p:style>
+          <a:lnRef idx="2">
+            <a:schemeClr val="accent1">
+              <a:shade val="50000"/>
+            </a:schemeClr>
+          </a:lnRef>
+          <a:fillRef idx="1">
+            <a:schemeClr val="accent1"/>
+          </a:fillRef>
+          <a:effectRef idx="0">
+            <a:schemeClr val="accent1"/>
+          </a:effectRef>
+          <a:fontRef idx="minor">
+            <a:schemeClr val="lt1"/>
+          </a:fontRef>
+        </p:style>
+        <p:txBody>
+          <a:bodyPr rtlCol="0" anchor="ctr"/>
+          <a:lstStyle/>
+          <a:p>
+            <a:pPr algn="ctr"/>
+            <a:endParaRPr lang="en-US"/>
+          </a:p>
+        </p:txBody>
+      </p:sp>
+      <p:cxnSp>
+        <p:nvCxnSpPr>
+          <p:cNvPr id="14" name="Elbow Connector 13">
+            <a:extLst>
+              <a:ext uri="{FF2B5EF4-FFF2-40B4-BE49-F238E27FC236}">
+                <a16:creationId xmlns:a16="http://schemas.microsoft.com/office/drawing/2014/main" id="{2C31B4D3-4EF2-BB87-6190-E2FA0B4012E0}"/>
+              </a:ext>
+            </a:extLst>
+          </p:cNvPr>
+          <p:cNvCxnSpPr>
+            <a:stCxn id="12" idx="2"/>
+            <a:endCxn id="13" idx="0"/>
+          </p:cNvCxnSpPr>
+          <p:nvPr/>
+        </p:nvCxnSpPr>
+        <p:spPr>
+          <a:xfrm rot="16200000" flipH="1">
+            <a:off x="7117331" y="3111757"/>
+            <a:ext cx="855228" cy="2265134"/>
+          </a:xfrm>
+          <a:prstGeom prst="bentConnector3">
+            <a:avLst/>
+          </a:prstGeom>
+          <a:ln>
+            <a:headEnd type="triangle"/>
+            <a:tailEnd type="triangle"/>
+          </a:ln>
+        </p:spPr>
+        <p:style>
+          <a:lnRef idx="1">
+            <a:schemeClr val="accent1"/>
+          </a:lnRef>
+          <a:fillRef idx="0">
+            <a:schemeClr val="accent1"/>
+          </a:fillRef>
+          <a:effectRef idx="0">
+            <a:schemeClr val="accent1"/>
+          </a:effectRef>
+          <a:fontRef idx="minor">
+            <a:schemeClr val="tx1"/>
+          </a:fontRef>
+        </p:style>
+      </p:cxnSp>
+      <p:sp>
+        <p:nvSpPr>
+          <p:cNvPr id="15" name="Rectangle 14">
+            <a:extLst>
+              <a:ext uri="{FF2B5EF4-FFF2-40B4-BE49-F238E27FC236}">
+                <a16:creationId xmlns:a16="http://schemas.microsoft.com/office/drawing/2014/main" id="{3E40BFBC-5BCE-F64C-B299-E37D8A20EE9B}"/>
+              </a:ext>
+            </a:extLst>
+          </p:cNvPr>
+          <p:cNvSpPr/>
+          <p:nvPr/>
+        </p:nvSpPr>
+        <p:spPr>
+          <a:xfrm>
+            <a:off x="5959361" y="2280929"/>
+            <a:ext cx="130629" cy="152400"/>
+          </a:xfrm>
+          <a:prstGeom prst="rect">
+            <a:avLst/>
+          </a:prstGeom>
+        </p:spPr>
+        <p:style>
+          <a:lnRef idx="2">
+            <a:schemeClr val="accent1">
+              <a:shade val="50000"/>
+            </a:schemeClr>
+          </a:lnRef>
+          <a:fillRef idx="1">
+            <a:schemeClr val="accent1"/>
+          </a:fillRef>
+          <a:effectRef idx="0">
+            <a:schemeClr val="accent1"/>
+          </a:effectRef>
+          <a:fontRef idx="minor">
+            <a:schemeClr val="lt1"/>
+          </a:fontRef>
+        </p:style>
+        <p:txBody>
+          <a:bodyPr rtlCol="0" anchor="ctr"/>
+          <a:lstStyle/>
+          <a:p>
+            <a:pPr algn="ctr"/>
+            <a:endParaRPr lang="en-US"/>
+          </a:p>
+        </p:txBody>
+      </p:sp>
+      <p:cxnSp>
+        <p:nvCxnSpPr>
+          <p:cNvPr id="16" name="Straight Arrow Connector 15">
+            <a:extLst>
+              <a:ext uri="{FF2B5EF4-FFF2-40B4-BE49-F238E27FC236}">
+                <a16:creationId xmlns:a16="http://schemas.microsoft.com/office/drawing/2014/main" id="{5A3CE854-2F42-BC1F-6F2A-CB70EADAD848}"/>
+              </a:ext>
+            </a:extLst>
+          </p:cNvPr>
+          <p:cNvCxnSpPr>
+            <a:cxnSpLocks/>
+            <a:endCxn id="15" idx="0"/>
+          </p:cNvCxnSpPr>
+          <p:nvPr/>
+        </p:nvCxnSpPr>
+        <p:spPr>
+          <a:xfrm flipH="1">
+            <a:off x="6024676" y="1758415"/>
+            <a:ext cx="1" cy="522514"/>
+          </a:xfrm>
+          <a:prstGeom prst="straightConnector1">
+            <a:avLst/>
+          </a:prstGeom>
+          <a:ln>
+            <a:tailEnd type="triangle"/>
+          </a:ln>
+        </p:spPr>
+        <p:style>
+          <a:lnRef idx="1">
+            <a:schemeClr val="accent1"/>
+          </a:lnRef>
+          <a:fillRef idx="0">
+            <a:schemeClr val="accent1"/>
+          </a:fillRef>
+          <a:effectRef idx="0">
+            <a:schemeClr val="accent1"/>
+          </a:effectRef>
+          <a:fontRef idx="minor">
+            <a:schemeClr val="tx1"/>
+          </a:fontRef>
+        </p:style>
+      </p:cxnSp>
+      <p:sp>
+        <p:nvSpPr>
+          <p:cNvPr id="17" name="Rectangle 16">
+            <a:extLst>
+              <a:ext uri="{FF2B5EF4-FFF2-40B4-BE49-F238E27FC236}">
+                <a16:creationId xmlns:a16="http://schemas.microsoft.com/office/drawing/2014/main" id="{D24EAE4B-8D24-582D-0CE1-CFB9D531FA04}"/>
+              </a:ext>
+            </a:extLst>
+          </p:cNvPr>
+          <p:cNvSpPr/>
+          <p:nvPr/>
+        </p:nvSpPr>
+        <p:spPr>
+          <a:xfrm>
+            <a:off x="5308661" y="2974543"/>
+            <a:ext cx="130629" cy="152400"/>
+          </a:xfrm>
+          <a:prstGeom prst="rect">
+            <a:avLst/>
+          </a:prstGeom>
+        </p:spPr>
+        <p:style>
+          <a:lnRef idx="2">
+            <a:schemeClr val="accent1">
+              <a:shade val="50000"/>
+            </a:schemeClr>
+          </a:lnRef>
+          <a:fillRef idx="1">
+            <a:schemeClr val="accent1"/>
+          </a:fillRef>
+          <a:effectRef idx="0">
+            <a:schemeClr val="accent1"/>
+          </a:effectRef>
+          <a:fontRef idx="minor">
+            <a:schemeClr val="lt1"/>
+          </a:fontRef>
+        </p:style>
+        <p:txBody>
+          <a:bodyPr rtlCol="0" anchor="ctr"/>
+          <a:lstStyle/>
+          <a:p>
+            <a:pPr algn="ctr"/>
+            <a:endParaRPr lang="en-US"/>
+          </a:p>
+        </p:txBody>
+      </p:sp>
+      <p:sp>
+        <p:nvSpPr>
+          <p:cNvPr id="18" name="Rectangle 17">
+            <a:extLst>
+              <a:ext uri="{FF2B5EF4-FFF2-40B4-BE49-F238E27FC236}">
+                <a16:creationId xmlns:a16="http://schemas.microsoft.com/office/drawing/2014/main" id="{504C691F-EDDC-8B2A-6A1B-E62FD2ED3B02}"/>
+              </a:ext>
+            </a:extLst>
+          </p:cNvPr>
+          <p:cNvSpPr/>
+          <p:nvPr/>
+        </p:nvSpPr>
+        <p:spPr>
+          <a:xfrm>
+            <a:off x="3594564" y="2986664"/>
+            <a:ext cx="130629" cy="152400"/>
+          </a:xfrm>
+          <a:prstGeom prst="rect">
+            <a:avLst/>
+          </a:prstGeom>
+        </p:spPr>
+        <p:style>
+          <a:lnRef idx="2">
+            <a:schemeClr val="accent1">
+              <a:shade val="50000"/>
+            </a:schemeClr>
+          </a:lnRef>
+          <a:fillRef idx="1">
+            <a:schemeClr val="accent1"/>
+          </a:fillRef>
+          <a:effectRef idx="0">
+            <a:schemeClr val="accent1"/>
+          </a:effectRef>
+          <a:fontRef idx="minor">
+            <a:schemeClr val="lt1"/>
+          </a:fontRef>
+        </p:style>
+        <p:txBody>
+          <a:bodyPr rtlCol="0" anchor="ctr"/>
+          <a:lstStyle/>
+          <a:p>
+            <a:pPr algn="ctr"/>
+            <a:endParaRPr lang="en-US"/>
+          </a:p>
+        </p:txBody>
+      </p:sp>
+      <p:cxnSp>
+        <p:nvCxnSpPr>
+          <p:cNvPr id="19" name="Straight Arrow Connector 18">
+            <a:extLst>
+              <a:ext uri="{FF2B5EF4-FFF2-40B4-BE49-F238E27FC236}">
+                <a16:creationId xmlns:a16="http://schemas.microsoft.com/office/drawing/2014/main" id="{7911A59C-8B00-9261-10F0-73A83D6DD2DF}"/>
+              </a:ext>
+            </a:extLst>
+          </p:cNvPr>
+          <p:cNvCxnSpPr>
+            <a:cxnSpLocks/>
+            <a:stCxn id="18" idx="3"/>
+            <a:endCxn id="17" idx="1"/>
+          </p:cNvCxnSpPr>
+          <p:nvPr/>
+        </p:nvCxnSpPr>
+        <p:spPr>
+          <a:xfrm flipV="1">
+            <a:off x="3725193" y="3050743"/>
+            <a:ext cx="1583468" cy="12121"/>
+          </a:xfrm>
+          <a:prstGeom prst="straightConnector1">
+            <a:avLst/>
+          </a:prstGeom>
+          <a:ln>
+            <a:headEnd type="triangle"/>
+            <a:tailEnd type="triangle"/>
+          </a:ln>
+        </p:spPr>
+        <p:style>
+          <a:lnRef idx="1">
+            <a:schemeClr val="accent1"/>
+          </a:lnRef>
+          <a:fillRef idx="0">
+            <a:schemeClr val="accent1"/>
+          </a:fillRef>
+          <a:effectRef idx="0">
+            <a:schemeClr val="accent1"/>
+          </a:effectRef>
+          <a:fontRef idx="minor">
+            <a:schemeClr val="tx1"/>
+          </a:fontRef>
+        </p:style>
+      </p:cxnSp>
+      <p:sp>
+        <p:nvSpPr>
+          <p:cNvPr id="20" name="Rectangle 19">
+            <a:extLst>
+              <a:ext uri="{FF2B5EF4-FFF2-40B4-BE49-F238E27FC236}">
+                <a16:creationId xmlns:a16="http://schemas.microsoft.com/office/drawing/2014/main" id="{E73A5AA7-7A59-57BA-2E8F-D03B8144E635}"/>
+              </a:ext>
+            </a:extLst>
+          </p:cNvPr>
+          <p:cNvSpPr/>
+          <p:nvPr/>
+        </p:nvSpPr>
+        <p:spPr>
+          <a:xfrm>
+            <a:off x="9858322" y="2812288"/>
+            <a:ext cx="1170774" cy="1227135"/>
+          </a:xfrm>
+          <a:prstGeom prst="rect">
+            <a:avLst/>
+          </a:prstGeom>
+          <a:solidFill>
+            <a:schemeClr val="accent6">
+              <a:lumMod val="20000"/>
+              <a:lumOff val="80000"/>
+            </a:schemeClr>
+          </a:solidFill>
+          <a:ln w="3175">
+            <a:solidFill>
+              <a:srgbClr val="00B050"/>
+            </a:solidFill>
+          </a:ln>
+        </p:spPr>
+        <p:style>
+          <a:lnRef idx="2">
+            <a:schemeClr val="accent1">
+              <a:shade val="50000"/>
+            </a:schemeClr>
+          </a:lnRef>
+          <a:fillRef idx="1">
+            <a:schemeClr val="accent1"/>
+          </a:fillRef>
+          <a:effectRef idx="0">
+            <a:schemeClr val="accent1"/>
+          </a:effectRef>
+          <a:fontRef idx="minor">
+            <a:schemeClr val="lt1"/>
+          </a:fontRef>
+        </p:style>
+        <p:txBody>
+          <a:bodyPr rtlCol="0" anchor="ctr"/>
+          <a:lstStyle/>
+          <a:p>
+            <a:pPr algn="ctr"/>
+            <a:endParaRPr lang="en-US" dirty="0"/>
+          </a:p>
+        </p:txBody>
+      </p:sp>
+      <p:sp>
+        <p:nvSpPr>
+          <p:cNvPr id="21" name="Rectangle 20">
+            <a:extLst>
+              <a:ext uri="{FF2B5EF4-FFF2-40B4-BE49-F238E27FC236}">
+                <a16:creationId xmlns:a16="http://schemas.microsoft.com/office/drawing/2014/main" id="{FB9ACC71-AE05-CDD6-B272-88A8060E8208}"/>
+              </a:ext>
+            </a:extLst>
+          </p:cNvPr>
+          <p:cNvSpPr/>
+          <p:nvPr/>
+        </p:nvSpPr>
+        <p:spPr>
+          <a:xfrm>
+            <a:off x="10010722" y="2964688"/>
+            <a:ext cx="1170774" cy="1227135"/>
+          </a:xfrm>
+          <a:prstGeom prst="rect">
+            <a:avLst/>
+          </a:prstGeom>
+          <a:solidFill>
+            <a:schemeClr val="accent6">
+              <a:lumMod val="20000"/>
+              <a:lumOff val="80000"/>
+            </a:schemeClr>
+          </a:solidFill>
+          <a:ln w="3175">
+            <a:solidFill>
+              <a:srgbClr val="00B050"/>
+            </a:solidFill>
+          </a:ln>
+        </p:spPr>
+        <p:style>
+          <a:lnRef idx="2">
+            <a:schemeClr val="accent1">
+              <a:shade val="50000"/>
+            </a:schemeClr>
+          </a:lnRef>
+          <a:fillRef idx="1">
+            <a:schemeClr val="accent1"/>
+          </a:fillRef>
+          <a:effectRef idx="0">
+            <a:schemeClr val="accent1"/>
+          </a:effectRef>
+          <a:fontRef idx="minor">
+            <a:schemeClr val="lt1"/>
+          </a:fontRef>
+        </p:style>
+        <p:txBody>
+          <a:bodyPr rtlCol="0" anchor="ctr"/>
+          <a:lstStyle/>
+          <a:p>
+            <a:pPr algn="ctr"/>
+            <a:endParaRPr lang="en-US" dirty="0"/>
+          </a:p>
+        </p:txBody>
+      </p:sp>
+      <p:sp>
+        <p:nvSpPr>
+          <p:cNvPr id="22" name="Rectangle 21">
+            <a:extLst>
+              <a:ext uri="{FF2B5EF4-FFF2-40B4-BE49-F238E27FC236}">
+                <a16:creationId xmlns:a16="http://schemas.microsoft.com/office/drawing/2014/main" id="{C439BD64-2024-8443-BB49-C7F3F1A3DFD6}"/>
+              </a:ext>
+            </a:extLst>
+          </p:cNvPr>
+          <p:cNvSpPr/>
+          <p:nvPr/>
+        </p:nvSpPr>
+        <p:spPr>
+          <a:xfrm>
+            <a:off x="10163122" y="3117088"/>
+            <a:ext cx="1170774" cy="1227135"/>
+          </a:xfrm>
+          <a:prstGeom prst="rect">
+            <a:avLst/>
+          </a:prstGeom>
+          <a:solidFill>
+            <a:schemeClr val="accent6">
+              <a:lumMod val="20000"/>
+              <a:lumOff val="80000"/>
+            </a:schemeClr>
+          </a:solidFill>
+          <a:ln w="3175">
+            <a:solidFill>
+              <a:srgbClr val="00B050"/>
+            </a:solidFill>
+          </a:ln>
+        </p:spPr>
+        <p:style>
+          <a:lnRef idx="2">
+            <a:schemeClr val="accent1">
+              <a:shade val="50000"/>
+            </a:schemeClr>
+          </a:lnRef>
+          <a:fillRef idx="1">
+            <a:schemeClr val="accent1"/>
+          </a:fillRef>
+          <a:effectRef idx="0">
+            <a:schemeClr val="accent1"/>
+          </a:effectRef>
+          <a:fontRef idx="minor">
+            <a:schemeClr val="lt1"/>
+          </a:fontRef>
+        </p:style>
+        <p:txBody>
+          <a:bodyPr rtlCol="0" anchor="ctr"/>
+          <a:lstStyle/>
+          <a:p>
+            <a:pPr algn="ctr"/>
+            <a:r>
+              <a:rPr lang="en-US" sz="1050" dirty="0">
+                <a:solidFill>
+                  <a:schemeClr val="accent6">
+                    <a:lumMod val="50000"/>
+                  </a:schemeClr>
+                </a:solidFill>
+              </a:rPr>
+              <a:t>Data Providers</a:t>
+            </a:r>
+          </a:p>
+        </p:txBody>
+      </p:sp>
+      <p:sp>
+        <p:nvSpPr>
+          <p:cNvPr id="23" name="Rectangle 22">
+            <a:extLst>
+              <a:ext uri="{FF2B5EF4-FFF2-40B4-BE49-F238E27FC236}">
+                <a16:creationId xmlns:a16="http://schemas.microsoft.com/office/drawing/2014/main" id="{315D5A7C-0D99-73CC-9002-8566BE6C3558}"/>
+              </a:ext>
+            </a:extLst>
+          </p:cNvPr>
+          <p:cNvSpPr/>
+          <p:nvPr/>
+        </p:nvSpPr>
+        <p:spPr>
+          <a:xfrm>
+            <a:off x="2680776" y="2617820"/>
+            <a:ext cx="902903" cy="998535"/>
+          </a:xfrm>
+          <a:prstGeom prst="rect">
+            <a:avLst/>
+          </a:prstGeom>
+          <a:solidFill>
+            <a:schemeClr val="accent6">
+              <a:lumMod val="20000"/>
+              <a:lumOff val="80000"/>
+            </a:schemeClr>
+          </a:solidFill>
+          <a:ln w="3175">
+            <a:solidFill>
+              <a:srgbClr val="00B050"/>
+            </a:solidFill>
+          </a:ln>
+        </p:spPr>
+        <p:style>
+          <a:lnRef idx="2">
+            <a:schemeClr val="accent1">
+              <a:shade val="50000"/>
+            </a:schemeClr>
+          </a:lnRef>
+          <a:fillRef idx="1">
+            <a:schemeClr val="accent1"/>
+          </a:fillRef>
+          <a:effectRef idx="0">
+            <a:schemeClr val="accent1"/>
+          </a:effectRef>
+          <a:fontRef idx="minor">
+            <a:schemeClr val="lt1"/>
+          </a:fontRef>
+        </p:style>
+        <p:txBody>
+          <a:bodyPr rtlCol="0" anchor="ctr"/>
+          <a:lstStyle/>
+          <a:p>
+            <a:pPr algn="ctr"/>
+            <a:r>
+              <a:rPr lang="en-US" sz="1050" dirty="0">
+                <a:solidFill>
+                  <a:schemeClr val="accent6">
+                    <a:lumMod val="50000"/>
+                  </a:schemeClr>
+                </a:solidFill>
+              </a:rPr>
+              <a:t>SMTP server</a:t>
+            </a:r>
+          </a:p>
+        </p:txBody>
+      </p:sp>
+      <p:sp>
+        <p:nvSpPr>
+          <p:cNvPr id="24" name="Rectangle 23">
+            <a:extLst>
+              <a:ext uri="{FF2B5EF4-FFF2-40B4-BE49-F238E27FC236}">
+                <a16:creationId xmlns:a16="http://schemas.microsoft.com/office/drawing/2014/main" id="{F20BF1F9-0EBD-6054-A971-2A79CDA2C2B1}"/>
+              </a:ext>
+            </a:extLst>
+          </p:cNvPr>
+          <p:cNvSpPr/>
+          <p:nvPr/>
+        </p:nvSpPr>
+        <p:spPr>
+          <a:xfrm>
+            <a:off x="6610064" y="3286033"/>
+            <a:ext cx="130629" cy="152400"/>
+          </a:xfrm>
+          <a:prstGeom prst="rect">
+            <a:avLst/>
+          </a:prstGeom>
+        </p:spPr>
+        <p:style>
+          <a:lnRef idx="2">
+            <a:schemeClr val="accent1">
+              <a:shade val="50000"/>
+            </a:schemeClr>
+          </a:lnRef>
+          <a:fillRef idx="1">
+            <a:schemeClr val="accent1"/>
+          </a:fillRef>
+          <a:effectRef idx="0">
+            <a:schemeClr val="accent1"/>
+          </a:effectRef>
+          <a:fontRef idx="minor">
+            <a:schemeClr val="lt1"/>
+          </a:fontRef>
+        </p:style>
+        <p:txBody>
+          <a:bodyPr rtlCol="0" anchor="ctr"/>
+          <a:lstStyle/>
+          <a:p>
+            <a:pPr algn="ctr"/>
+            <a:endParaRPr lang="en-US"/>
+          </a:p>
+        </p:txBody>
+      </p:sp>
+      <p:sp>
+        <p:nvSpPr>
+          <p:cNvPr id="25" name="Rectangle 24">
+            <a:extLst>
+              <a:ext uri="{FF2B5EF4-FFF2-40B4-BE49-F238E27FC236}">
+                <a16:creationId xmlns:a16="http://schemas.microsoft.com/office/drawing/2014/main" id="{0CC9C038-0DD4-C0B8-A95D-33FBBB571F6B}"/>
+              </a:ext>
+            </a:extLst>
+          </p:cNvPr>
+          <p:cNvSpPr/>
+          <p:nvPr/>
+        </p:nvSpPr>
+        <p:spPr>
+          <a:xfrm>
+            <a:off x="9738579" y="3273852"/>
+            <a:ext cx="130629" cy="152400"/>
+          </a:xfrm>
+          <a:prstGeom prst="rect">
+            <a:avLst/>
+          </a:prstGeom>
+        </p:spPr>
+        <p:style>
+          <a:lnRef idx="2">
+            <a:schemeClr val="accent1">
+              <a:shade val="50000"/>
+            </a:schemeClr>
+          </a:lnRef>
+          <a:fillRef idx="1">
+            <a:schemeClr val="accent1"/>
+          </a:fillRef>
+          <a:effectRef idx="0">
+            <a:schemeClr val="accent1"/>
+          </a:effectRef>
+          <a:fontRef idx="minor">
+            <a:schemeClr val="lt1"/>
+          </a:fontRef>
+        </p:style>
+        <p:txBody>
+          <a:bodyPr rtlCol="0" anchor="ctr"/>
+          <a:lstStyle/>
+          <a:p>
+            <a:pPr algn="ctr"/>
+            <a:endParaRPr lang="en-US"/>
+          </a:p>
+        </p:txBody>
+      </p:sp>
+      <p:cxnSp>
+        <p:nvCxnSpPr>
+          <p:cNvPr id="26" name="Straight Arrow Connector 25">
+            <a:extLst>
+              <a:ext uri="{FF2B5EF4-FFF2-40B4-BE49-F238E27FC236}">
+                <a16:creationId xmlns:a16="http://schemas.microsoft.com/office/drawing/2014/main" id="{4C8DAD48-5FCB-9EF8-DE2F-156D8BC225AB}"/>
+              </a:ext>
+            </a:extLst>
+          </p:cNvPr>
+          <p:cNvCxnSpPr>
+            <a:stCxn id="24" idx="3"/>
+            <a:endCxn id="25" idx="1"/>
+          </p:cNvCxnSpPr>
+          <p:nvPr/>
+        </p:nvCxnSpPr>
+        <p:spPr>
+          <a:xfrm flipV="1">
+            <a:off x="6740693" y="3350052"/>
+            <a:ext cx="2997886" cy="12181"/>
+          </a:xfrm>
+          <a:prstGeom prst="straightConnector1">
+            <a:avLst/>
+          </a:prstGeom>
+          <a:ln>
+            <a:headEnd type="triangle"/>
+            <a:tailEnd type="triangle"/>
+          </a:ln>
+        </p:spPr>
+        <p:style>
+          <a:lnRef idx="1">
+            <a:schemeClr val="accent1"/>
+          </a:lnRef>
+          <a:fillRef idx="0">
+            <a:schemeClr val="accent1"/>
+          </a:fillRef>
+          <a:effectRef idx="0">
+            <a:schemeClr val="accent1"/>
+          </a:effectRef>
+          <a:fontRef idx="minor">
+            <a:schemeClr val="tx1"/>
+          </a:fontRef>
+        </p:style>
+      </p:cxnSp>
+      <p:sp>
+        <p:nvSpPr>
+          <p:cNvPr id="27" name="Rectangle 26">
+            <a:extLst>
+              <a:ext uri="{FF2B5EF4-FFF2-40B4-BE49-F238E27FC236}">
+                <a16:creationId xmlns:a16="http://schemas.microsoft.com/office/drawing/2014/main" id="{F5F401D3-CEEB-D64F-93DF-799146AD6423}"/>
+              </a:ext>
+            </a:extLst>
+          </p:cNvPr>
+          <p:cNvSpPr/>
+          <p:nvPr/>
+        </p:nvSpPr>
+        <p:spPr>
+          <a:xfrm>
+            <a:off x="4166019" y="819008"/>
+            <a:ext cx="1031785" cy="756500"/>
+          </a:xfrm>
+          <a:prstGeom prst="rect">
+            <a:avLst/>
+          </a:prstGeom>
+          <a:solidFill>
+            <a:schemeClr val="accent5">
+              <a:lumMod val="20000"/>
+              <a:lumOff val="80000"/>
+            </a:schemeClr>
+          </a:solidFill>
+          <a:ln w="3175">
+            <a:solidFill>
+              <a:srgbClr val="0070C0"/>
+            </a:solidFill>
+          </a:ln>
+        </p:spPr>
+        <p:style>
+          <a:lnRef idx="2">
+            <a:schemeClr val="accent1">
+              <a:shade val="50000"/>
+            </a:schemeClr>
+          </a:lnRef>
+          <a:fillRef idx="1">
+            <a:schemeClr val="accent1"/>
+          </a:fillRef>
+          <a:effectRef idx="0">
+            <a:schemeClr val="accent1"/>
+          </a:effectRef>
+          <a:fontRef idx="minor">
+            <a:schemeClr val="lt1"/>
+          </a:fontRef>
+        </p:style>
+        <p:txBody>
+          <a:bodyPr rtlCol="0" anchor="ctr"/>
+          <a:lstStyle/>
+          <a:p>
+            <a:pPr algn="ctr"/>
+            <a:r>
+              <a:rPr lang="en-US" sz="900" dirty="0">
+                <a:solidFill>
+                  <a:schemeClr val="accent1"/>
+                </a:solidFill>
+              </a:rPr>
+              <a:t>User web clients</a:t>
+            </a:r>
+          </a:p>
+        </p:txBody>
+      </p:sp>
+      <p:sp>
+        <p:nvSpPr>
+          <p:cNvPr id="28" name="Rectangle 27">
+            <a:extLst>
+              <a:ext uri="{FF2B5EF4-FFF2-40B4-BE49-F238E27FC236}">
+                <a16:creationId xmlns:a16="http://schemas.microsoft.com/office/drawing/2014/main" id="{5E1246FD-BA08-7D23-9507-3B000F12DCF6}"/>
+              </a:ext>
+            </a:extLst>
+          </p:cNvPr>
+          <p:cNvSpPr/>
+          <p:nvPr/>
+        </p:nvSpPr>
+        <p:spPr>
+          <a:xfrm>
+            <a:off x="5439452" y="819512"/>
+            <a:ext cx="1031785" cy="756500"/>
+          </a:xfrm>
+          <a:prstGeom prst="rect">
+            <a:avLst/>
+          </a:prstGeom>
+          <a:solidFill>
+            <a:schemeClr val="accent5">
+              <a:lumMod val="20000"/>
+              <a:lumOff val="80000"/>
+            </a:schemeClr>
+          </a:solidFill>
+          <a:ln w="3175">
+            <a:solidFill>
+              <a:srgbClr val="0070C0"/>
+            </a:solidFill>
+          </a:ln>
+        </p:spPr>
+        <p:style>
+          <a:lnRef idx="2">
+            <a:schemeClr val="accent1">
+              <a:shade val="50000"/>
+            </a:schemeClr>
+          </a:lnRef>
+          <a:fillRef idx="1">
+            <a:schemeClr val="accent1"/>
+          </a:fillRef>
+          <a:effectRef idx="0">
+            <a:schemeClr val="accent1"/>
+          </a:effectRef>
+          <a:fontRef idx="minor">
+            <a:schemeClr val="lt1"/>
+          </a:fontRef>
+        </p:style>
+        <p:txBody>
+          <a:bodyPr rtlCol="0" anchor="ctr"/>
+          <a:lstStyle/>
+          <a:p>
+            <a:pPr algn="ctr"/>
+            <a:r>
+              <a:rPr lang="en-US" sz="900" dirty="0">
+                <a:solidFill>
+                  <a:schemeClr val="accent1"/>
+                </a:solidFill>
+              </a:rPr>
+              <a:t>Admin </a:t>
+            </a:r>
+            <a:r>
+              <a:rPr lang="en-US" sz="900">
+                <a:solidFill>
+                  <a:schemeClr val="accent1"/>
+                </a:solidFill>
+              </a:rPr>
+              <a:t>web clients</a:t>
+            </a:r>
+            <a:endParaRPr lang="en-US" sz="900" dirty="0">
+              <a:solidFill>
+                <a:schemeClr val="accent1"/>
+              </a:solidFill>
+            </a:endParaRPr>
+          </a:p>
+        </p:txBody>
+      </p:sp>
+      <p:sp>
+        <p:nvSpPr>
+          <p:cNvPr id="29" name="Rectangle 28">
+            <a:extLst>
+              <a:ext uri="{FF2B5EF4-FFF2-40B4-BE49-F238E27FC236}">
+                <a16:creationId xmlns:a16="http://schemas.microsoft.com/office/drawing/2014/main" id="{C2A6FC36-599B-2AE2-2DB7-D34914810F47}"/>
+              </a:ext>
+            </a:extLst>
+          </p:cNvPr>
+          <p:cNvSpPr/>
+          <p:nvPr/>
+        </p:nvSpPr>
+        <p:spPr>
+          <a:xfrm>
+            <a:off x="6712885" y="819008"/>
+            <a:ext cx="1031785" cy="756500"/>
+          </a:xfrm>
+          <a:prstGeom prst="rect">
+            <a:avLst/>
+          </a:prstGeom>
+          <a:solidFill>
+            <a:schemeClr val="accent5">
+              <a:lumMod val="20000"/>
+              <a:lumOff val="80000"/>
+            </a:schemeClr>
+          </a:solidFill>
+          <a:ln w="3175">
+            <a:solidFill>
+              <a:srgbClr val="0070C0"/>
+            </a:solidFill>
+          </a:ln>
+        </p:spPr>
+        <p:style>
+          <a:lnRef idx="2">
+            <a:schemeClr val="accent1">
+              <a:shade val="50000"/>
+            </a:schemeClr>
+          </a:lnRef>
+          <a:fillRef idx="1">
+            <a:schemeClr val="accent1"/>
+          </a:fillRef>
+          <a:effectRef idx="0">
+            <a:schemeClr val="accent1"/>
+          </a:effectRef>
+          <a:fontRef idx="minor">
+            <a:schemeClr val="lt1"/>
+          </a:fontRef>
+        </p:style>
+        <p:txBody>
+          <a:bodyPr rtlCol="0" anchor="ctr"/>
+          <a:lstStyle/>
+          <a:p>
+            <a:pPr algn="ctr"/>
+            <a:r>
+              <a:rPr lang="en-US" sz="900">
+                <a:solidFill>
+                  <a:schemeClr val="accent1"/>
+                </a:solidFill>
+              </a:rPr>
+              <a:t>Python clients</a:t>
+            </a:r>
+            <a:endParaRPr lang="en-US" sz="900" dirty="0">
+              <a:solidFill>
+                <a:schemeClr val="accent1"/>
+              </a:solidFill>
+            </a:endParaRPr>
+          </a:p>
+        </p:txBody>
+      </p:sp>
+      <p:sp>
+        <p:nvSpPr>
+          <p:cNvPr id="30" name="Rectangle 29">
+            <a:extLst>
+              <a:ext uri="{FF2B5EF4-FFF2-40B4-BE49-F238E27FC236}">
+                <a16:creationId xmlns:a16="http://schemas.microsoft.com/office/drawing/2014/main" id="{45DE446C-C5CF-610C-7FBB-334F6247A1F6}"/>
+              </a:ext>
+            </a:extLst>
+          </p:cNvPr>
+          <p:cNvSpPr/>
+          <p:nvPr/>
+        </p:nvSpPr>
+        <p:spPr>
+          <a:xfrm>
+            <a:off x="4011564" y="674957"/>
+            <a:ext cx="3895594" cy="1066388"/>
+          </a:xfrm>
+          <a:prstGeom prst="rect">
+            <a:avLst/>
+          </a:prstGeom>
+          <a:noFill/>
+          <a:ln>
+            <a:prstDash val="dash"/>
+          </a:ln>
+        </p:spPr>
+        <p:style>
+          <a:lnRef idx="2">
+            <a:schemeClr val="accent1">
+              <a:shade val="50000"/>
+            </a:schemeClr>
+          </a:lnRef>
+          <a:fillRef idx="1">
+            <a:schemeClr val="accent1"/>
+          </a:fillRef>
+          <a:effectRef idx="0">
+            <a:schemeClr val="accent1"/>
+          </a:effectRef>
+          <a:fontRef idx="minor">
+            <a:schemeClr val="lt1"/>
+          </a:fontRef>
+        </p:style>
+        <p:txBody>
+          <a:bodyPr rtlCol="0" anchor="ctr"/>
+          <a:lstStyle/>
+          <a:p>
+            <a:pPr algn="ctr"/>
+            <a:endParaRPr lang="en-US"/>
+          </a:p>
+        </p:txBody>
+      </p:sp>
+      <p:sp>
+        <p:nvSpPr>
+          <p:cNvPr id="31" name="Rectangle 30">
+            <a:extLst>
+              <a:ext uri="{FF2B5EF4-FFF2-40B4-BE49-F238E27FC236}">
+                <a16:creationId xmlns:a16="http://schemas.microsoft.com/office/drawing/2014/main" id="{F4933C40-010D-9A43-7B36-B2984414BA58}"/>
+              </a:ext>
+            </a:extLst>
+          </p:cNvPr>
+          <p:cNvSpPr/>
+          <p:nvPr/>
+        </p:nvSpPr>
+        <p:spPr>
+          <a:xfrm>
+            <a:off x="8114417" y="4832033"/>
+            <a:ext cx="1170774" cy="1227135"/>
+          </a:xfrm>
+          <a:prstGeom prst="rect">
+            <a:avLst/>
+          </a:prstGeom>
+          <a:solidFill>
+            <a:schemeClr val="accent6">
+              <a:lumMod val="20000"/>
+              <a:lumOff val="80000"/>
+            </a:schemeClr>
+          </a:solidFill>
+          <a:ln w="3175">
+            <a:solidFill>
+              <a:srgbClr val="00B050"/>
+            </a:solidFill>
+          </a:ln>
+        </p:spPr>
+        <p:style>
+          <a:lnRef idx="2">
+            <a:schemeClr val="accent1">
+              <a:shade val="50000"/>
+            </a:schemeClr>
+          </a:lnRef>
+          <a:fillRef idx="1">
+            <a:schemeClr val="accent1"/>
+          </a:fillRef>
+          <a:effectRef idx="0">
+            <a:schemeClr val="accent1"/>
+          </a:effectRef>
+          <a:fontRef idx="minor">
+            <a:schemeClr val="lt1"/>
+          </a:fontRef>
+        </p:style>
+        <p:txBody>
+          <a:bodyPr rtlCol="0" anchor="ctr"/>
+          <a:lstStyle/>
+          <a:p>
+            <a:pPr algn="ctr"/>
+            <a:r>
+              <a:rPr lang="en-US" sz="1050" dirty="0">
+                <a:solidFill>
+                  <a:schemeClr val="accent6">
+                    <a:lumMod val="50000"/>
+                  </a:schemeClr>
+                </a:solidFill>
+              </a:rPr>
+              <a:t>Secret manager</a:t>
+            </a:r>
+          </a:p>
+        </p:txBody>
+      </p:sp>
+      <p:sp>
+        <p:nvSpPr>
+          <p:cNvPr id="32" name="Rectangle 31">
+            <a:extLst>
+              <a:ext uri="{FF2B5EF4-FFF2-40B4-BE49-F238E27FC236}">
+                <a16:creationId xmlns:a16="http://schemas.microsoft.com/office/drawing/2014/main" id="{1030AB4A-150E-AAFA-793D-2C779DF1BEC4}"/>
+              </a:ext>
+            </a:extLst>
+          </p:cNvPr>
+          <p:cNvSpPr/>
+          <p:nvPr/>
+        </p:nvSpPr>
+        <p:spPr>
+          <a:xfrm>
+            <a:off x="5439290" y="4844814"/>
+            <a:ext cx="1170774" cy="1227135"/>
+          </a:xfrm>
+          <a:prstGeom prst="rect">
+            <a:avLst/>
+          </a:prstGeom>
+          <a:noFill/>
+          <a:ln w="3175">
+            <a:solidFill>
+              <a:schemeClr val="accent1"/>
+            </a:solidFill>
+          </a:ln>
+        </p:spPr>
+        <p:style>
+          <a:lnRef idx="2">
+            <a:schemeClr val="accent1">
+              <a:shade val="50000"/>
+            </a:schemeClr>
+          </a:lnRef>
+          <a:fillRef idx="1">
+            <a:schemeClr val="accent1"/>
+          </a:fillRef>
+          <a:effectRef idx="0">
+            <a:schemeClr val="accent1"/>
+          </a:effectRef>
+          <a:fontRef idx="minor">
+            <a:schemeClr val="lt1"/>
+          </a:fontRef>
+        </p:style>
+        <p:txBody>
+          <a:bodyPr rtlCol="0" anchor="ctr"/>
+          <a:lstStyle/>
+          <a:p>
+            <a:pPr algn="ctr"/>
+            <a:r>
+              <a:rPr lang="en-US" sz="1050" dirty="0">
+                <a:solidFill>
+                  <a:srgbClr val="002060"/>
+                </a:solidFill>
+              </a:rPr>
+              <a:t>Postgres</a:t>
+            </a:r>
+          </a:p>
+        </p:txBody>
+      </p:sp>
+      <p:sp>
+        <p:nvSpPr>
+          <p:cNvPr id="33" name="Rectangle 32">
+            <a:extLst>
+              <a:ext uri="{FF2B5EF4-FFF2-40B4-BE49-F238E27FC236}">
+                <a16:creationId xmlns:a16="http://schemas.microsoft.com/office/drawing/2014/main" id="{09B43E7F-A237-ABB6-8019-AE9CBD3A4FCD}"/>
+              </a:ext>
+            </a:extLst>
+          </p:cNvPr>
+          <p:cNvSpPr/>
+          <p:nvPr/>
+        </p:nvSpPr>
+        <p:spPr>
+          <a:xfrm>
+            <a:off x="2698847" y="4844814"/>
+            <a:ext cx="1170774" cy="1227135"/>
+          </a:xfrm>
+          <a:prstGeom prst="rect">
+            <a:avLst/>
+          </a:prstGeom>
+          <a:noFill/>
+          <a:ln w="3175">
+            <a:solidFill>
+              <a:schemeClr val="accent1"/>
+            </a:solidFill>
+          </a:ln>
+          <a:effectLst>
+            <a:outerShdw blurRad="50800" dist="50800" dir="5400000" sx="1000" sy="1000" algn="ctr" rotWithShape="0">
+              <a:srgbClr val="000000"/>
+            </a:outerShdw>
+          </a:effectLst>
+        </p:spPr>
+        <p:style>
+          <a:lnRef idx="2">
+            <a:schemeClr val="accent1">
+              <a:shade val="50000"/>
+            </a:schemeClr>
+          </a:lnRef>
+          <a:fillRef idx="1">
+            <a:schemeClr val="accent1"/>
+          </a:fillRef>
+          <a:effectRef idx="0">
+            <a:schemeClr val="accent1"/>
+          </a:effectRef>
+          <a:fontRef idx="minor">
+            <a:schemeClr val="lt1"/>
+          </a:fontRef>
+        </p:style>
+        <p:txBody>
+          <a:bodyPr rtlCol="0" anchor="ctr"/>
+          <a:lstStyle/>
+          <a:p>
+            <a:pPr algn="ctr"/>
+            <a:r>
+              <a:rPr lang="en-US" sz="1050" dirty="0">
+                <a:solidFill>
+                  <a:schemeClr val="accent1">
+                    <a:lumMod val="50000"/>
+                  </a:schemeClr>
+                </a:solidFill>
+              </a:rPr>
+              <a:t>Clickhouse</a:t>
+            </a:r>
+          </a:p>
+        </p:txBody>
+      </p:sp>
+      <p:sp>
+        <p:nvSpPr>
+          <p:cNvPr id="34" name="Rectangle 33">
+            <a:extLst>
+              <a:ext uri="{FF2B5EF4-FFF2-40B4-BE49-F238E27FC236}">
+                <a16:creationId xmlns:a16="http://schemas.microsoft.com/office/drawing/2014/main" id="{66BD158B-62A9-99B7-50AD-4F573E6C7366}"/>
+              </a:ext>
+            </a:extLst>
+          </p:cNvPr>
+          <p:cNvSpPr/>
+          <p:nvPr/>
+        </p:nvSpPr>
+        <p:spPr>
+          <a:xfrm>
+            <a:off x="-193677" y="52984"/>
+            <a:ext cx="2306595" cy="6722075"/>
+          </a:xfrm>
+          <a:prstGeom prst="rect">
+            <a:avLst/>
+          </a:prstGeom>
+          <a:noFill/>
+          <a:ln w="3175" cmpd="sng">
+            <a:solidFill>
+              <a:schemeClr val="tx1"/>
+            </a:solidFill>
+            <a:prstDash val="lgDash"/>
+          </a:ln>
+        </p:spPr>
+        <p:style>
+          <a:lnRef idx="2">
+            <a:schemeClr val="accent1">
+              <a:shade val="50000"/>
+            </a:schemeClr>
+          </a:lnRef>
+          <a:fillRef idx="1">
+            <a:schemeClr val="accent1"/>
+          </a:fillRef>
+          <a:effectRef idx="0">
+            <a:schemeClr val="accent1"/>
+          </a:effectRef>
+          <a:fontRef idx="minor">
+            <a:schemeClr val="lt1"/>
+          </a:fontRef>
+        </p:style>
+        <p:txBody>
+          <a:bodyPr rtlCol="0" anchor="ctr"/>
+          <a:lstStyle/>
+          <a:p>
+            <a:pPr algn="ctr"/>
+            <a:endParaRPr lang="en-US" dirty="0"/>
+          </a:p>
+        </p:txBody>
+      </p:sp>
+      <p:sp>
+        <p:nvSpPr>
+          <p:cNvPr id="35" name="Rectangle 34">
+            <a:extLst>
+              <a:ext uri="{FF2B5EF4-FFF2-40B4-BE49-F238E27FC236}">
+                <a16:creationId xmlns:a16="http://schemas.microsoft.com/office/drawing/2014/main" id="{3286D2CF-5A70-BA54-65C3-6F16484130D2}"/>
+              </a:ext>
+            </a:extLst>
+          </p:cNvPr>
+          <p:cNvSpPr/>
+          <p:nvPr/>
+        </p:nvSpPr>
+        <p:spPr>
+          <a:xfrm>
+            <a:off x="-17078" y="53587"/>
+            <a:ext cx="2129994" cy="340673"/>
+          </a:xfrm>
+          <a:prstGeom prst="rect">
+            <a:avLst/>
+          </a:prstGeom>
+          <a:solidFill>
+            <a:schemeClr val="accent6">
+              <a:lumMod val="20000"/>
+              <a:lumOff val="80000"/>
+            </a:schemeClr>
+          </a:solidFill>
+          <a:ln w="3175">
+            <a:solidFill>
+              <a:srgbClr val="00B050"/>
+            </a:solidFill>
+          </a:ln>
+        </p:spPr>
+        <p:style>
+          <a:lnRef idx="2">
+            <a:schemeClr val="accent1">
+              <a:shade val="50000"/>
+            </a:schemeClr>
+          </a:lnRef>
+          <a:fillRef idx="1">
+            <a:schemeClr val="accent1"/>
+          </a:fillRef>
+          <a:effectRef idx="0">
+            <a:schemeClr val="accent1"/>
+          </a:effectRef>
+          <a:fontRef idx="minor">
+            <a:schemeClr val="lt1"/>
+          </a:fontRef>
+        </p:style>
+        <p:txBody>
+          <a:bodyPr rtlCol="0" anchor="ctr"/>
+          <a:lstStyle/>
+          <a:p>
+            <a:pPr algn="ctr"/>
+            <a:r>
+              <a:rPr lang="en-US" sz="800" dirty="0">
+                <a:solidFill>
+                  <a:schemeClr val="accent6">
+                    <a:lumMod val="50000"/>
+                  </a:schemeClr>
+                </a:solidFill>
+              </a:rPr>
+              <a:t>BNP Systems</a:t>
+            </a:r>
+          </a:p>
+        </p:txBody>
+      </p:sp>
+      <p:sp>
+        <p:nvSpPr>
+          <p:cNvPr id="36" name="Rectangle 35">
+            <a:extLst>
+              <a:ext uri="{FF2B5EF4-FFF2-40B4-BE49-F238E27FC236}">
+                <a16:creationId xmlns:a16="http://schemas.microsoft.com/office/drawing/2014/main" id="{4449DD08-0943-8AFB-A9BB-50077FAE0A5D}"/>
+              </a:ext>
+            </a:extLst>
+          </p:cNvPr>
+          <p:cNvSpPr/>
+          <p:nvPr/>
+        </p:nvSpPr>
+        <p:spPr>
+          <a:xfrm>
+            <a:off x="-17078" y="2706459"/>
+            <a:ext cx="2129995" cy="336891"/>
+          </a:xfrm>
+          <a:prstGeom prst="rect">
+            <a:avLst/>
+          </a:prstGeom>
+          <a:noFill/>
+          <a:ln w="3175">
+            <a:solidFill>
+              <a:schemeClr val="accent1"/>
+            </a:solidFill>
+          </a:ln>
+        </p:spPr>
+        <p:style>
+          <a:lnRef idx="2">
+            <a:schemeClr val="accent1">
+              <a:shade val="50000"/>
+            </a:schemeClr>
+          </a:lnRef>
+          <a:fillRef idx="1">
+            <a:schemeClr val="accent1"/>
+          </a:fillRef>
+          <a:effectRef idx="0">
+            <a:schemeClr val="accent1"/>
+          </a:effectRef>
+          <a:fontRef idx="minor">
+            <a:schemeClr val="lt1"/>
+          </a:fontRef>
+        </p:style>
+        <p:txBody>
+          <a:bodyPr rtlCol="0" anchor="ctr"/>
+          <a:lstStyle/>
+          <a:p>
+            <a:pPr algn="ctr"/>
+            <a:r>
+              <a:rPr lang="en-US" sz="800" dirty="0">
+                <a:solidFill>
+                  <a:srgbClr val="002060"/>
+                </a:solidFill>
+              </a:rPr>
+              <a:t>Kawa databases</a:t>
+            </a:r>
+          </a:p>
+        </p:txBody>
+      </p:sp>
+      <p:grpSp>
+        <p:nvGrpSpPr>
+          <p:cNvPr id="37" name="Group 36">
+            <a:extLst>
+              <a:ext uri="{FF2B5EF4-FFF2-40B4-BE49-F238E27FC236}">
+                <a16:creationId xmlns:a16="http://schemas.microsoft.com/office/drawing/2014/main" id="{89DB6DEE-F2F5-CB3A-3FA2-4B222EB210D8}"/>
+              </a:ext>
+            </a:extLst>
+          </p:cNvPr>
+          <p:cNvGrpSpPr/>
+          <p:nvPr/>
+        </p:nvGrpSpPr>
+        <p:grpSpPr>
+          <a:xfrm>
+            <a:off x="161518" y="6479343"/>
+            <a:ext cx="2200299" cy="200055"/>
+            <a:chOff x="253901" y="5376467"/>
+            <a:chExt cx="2021229" cy="200055"/>
+          </a:xfrm>
+        </p:grpSpPr>
+        <p:sp>
+          <p:nvSpPr>
+            <p:cNvPr id="38" name="Rectangle 37">
+              <a:extLst>
+                <a:ext uri="{FF2B5EF4-FFF2-40B4-BE49-F238E27FC236}">
+                  <a16:creationId xmlns:a16="http://schemas.microsoft.com/office/drawing/2014/main" id="{DE61C1A4-33F0-AAD2-0A1F-7992EDA21C2F}"/>
+                </a:ext>
+              </a:extLst>
+            </p:cNvPr>
+            <p:cNvSpPr/>
+            <p:nvPr/>
+          </p:nvSpPr>
+          <p:spPr>
+            <a:xfrm>
+              <a:off x="770838" y="5400294"/>
+              <a:ext cx="130629" cy="152400"/>
+            </a:xfrm>
+            <a:prstGeom prst="rect">
+              <a:avLst/>
+            </a:prstGeom>
+          </p:spPr>
+          <p:style>
+            <a:lnRef idx="2">
+              <a:schemeClr val="accent1">
+                <a:shade val="50000"/>
+              </a:schemeClr>
+            </a:lnRef>
+            <a:fillRef idx="1">
+              <a:schemeClr val="accent1"/>
+            </a:fillRef>
+            <a:effectRef idx="0">
+              <a:schemeClr val="accent1"/>
+            </a:effectRef>
+            <a:fontRef idx="minor">
+              <a:schemeClr val="lt1"/>
+            </a:fontRef>
+          </p:style>
+          <p:txBody>
+            <a:bodyPr rtlCol="0" anchor="ctr"/>
+            <a:lstStyle/>
+            <a:p>
+              <a:pPr algn="ctr"/>
+              <a:endParaRPr lang="en-US"/>
+            </a:p>
+          </p:txBody>
+        </p:sp>
+        <p:sp>
+          <p:nvSpPr>
+            <p:cNvPr id="39" name="Rectangle 38">
+              <a:extLst>
+                <a:ext uri="{FF2B5EF4-FFF2-40B4-BE49-F238E27FC236}">
+                  <a16:creationId xmlns:a16="http://schemas.microsoft.com/office/drawing/2014/main" id="{BB8E403F-D107-0DD6-2335-56269FB5A3D2}"/>
+                </a:ext>
+              </a:extLst>
+            </p:cNvPr>
+            <p:cNvSpPr/>
+            <p:nvPr/>
+          </p:nvSpPr>
+          <p:spPr>
+            <a:xfrm>
+              <a:off x="253901" y="5400294"/>
+              <a:ext cx="130629" cy="152400"/>
+            </a:xfrm>
+            <a:prstGeom prst="rect">
+              <a:avLst/>
+            </a:prstGeom>
+          </p:spPr>
+          <p:style>
+            <a:lnRef idx="2">
+              <a:schemeClr val="accent1">
+                <a:shade val="50000"/>
+              </a:schemeClr>
+            </a:lnRef>
+            <a:fillRef idx="1">
+              <a:schemeClr val="accent1"/>
+            </a:fillRef>
+            <a:effectRef idx="0">
+              <a:schemeClr val="accent1"/>
+            </a:effectRef>
+            <a:fontRef idx="minor">
+              <a:schemeClr val="lt1"/>
+            </a:fontRef>
+          </p:style>
+          <p:txBody>
+            <a:bodyPr rtlCol="0" anchor="ctr"/>
+            <a:lstStyle/>
+            <a:p>
+              <a:pPr algn="ctr"/>
+              <a:endParaRPr lang="en-US"/>
+            </a:p>
+          </p:txBody>
+        </p:sp>
+        <p:cxnSp>
+          <p:nvCxnSpPr>
+            <p:cNvPr id="40" name="Straight Arrow Connector 39">
+              <a:extLst>
+                <a:ext uri="{FF2B5EF4-FFF2-40B4-BE49-F238E27FC236}">
+                  <a16:creationId xmlns:a16="http://schemas.microsoft.com/office/drawing/2014/main" id="{BBFF7090-BA85-9339-869D-DC47AFE19CFB}"/>
+                </a:ext>
+              </a:extLst>
+            </p:cNvPr>
+            <p:cNvCxnSpPr>
+              <a:cxnSpLocks/>
+              <a:stCxn id="39" idx="3"/>
+              <a:endCxn id="38" idx="1"/>
+            </p:cNvCxnSpPr>
+            <p:nvPr/>
+          </p:nvCxnSpPr>
+          <p:spPr>
+            <a:xfrm>
+              <a:off x="384530" y="5476494"/>
+              <a:ext cx="386308" cy="0"/>
+            </a:xfrm>
+            <a:prstGeom prst="straightConnector1">
+              <a:avLst/>
+            </a:prstGeom>
+            <a:ln>
+              <a:headEnd type="triangle"/>
+              <a:tailEnd type="triangle"/>
+            </a:ln>
+          </p:spPr>
+          <p:style>
+            <a:lnRef idx="1">
+              <a:schemeClr val="accent1"/>
+            </a:lnRef>
+            <a:fillRef idx="0">
+              <a:schemeClr val="accent1"/>
+            </a:fillRef>
+            <a:effectRef idx="0">
+              <a:schemeClr val="accent1"/>
+            </a:effectRef>
+            <a:fontRef idx="minor">
+              <a:schemeClr val="tx1"/>
+            </a:fontRef>
+          </p:style>
+        </p:cxnSp>
+        <p:sp>
+          <p:nvSpPr>
+            <p:cNvPr id="41" name="TextBox 40">
+              <a:extLst>
+                <a:ext uri="{FF2B5EF4-FFF2-40B4-BE49-F238E27FC236}">
+                  <a16:creationId xmlns:a16="http://schemas.microsoft.com/office/drawing/2014/main" id="{9F13F654-4538-66ED-B265-740D2905DF0D}"/>
+                </a:ext>
+              </a:extLst>
+            </p:cNvPr>
+            <p:cNvSpPr txBox="1"/>
+            <p:nvPr/>
+          </p:nvSpPr>
+          <p:spPr>
+            <a:xfrm>
+              <a:off x="918841" y="5376467"/>
+              <a:ext cx="1356289" cy="200055"/>
+            </a:xfrm>
+            <a:prstGeom prst="rect">
+              <a:avLst/>
+            </a:prstGeom>
+            <a:noFill/>
+          </p:spPr>
+          <p:txBody>
+            <a:bodyPr wrap="square" rtlCol="0">
+              <a:spAutoFit/>
+            </a:bodyPr>
+            <a:lstStyle/>
+            <a:p>
+              <a:r>
+                <a:rPr lang="en-US" sz="700" dirty="0"/>
+                <a:t>Encrypted connection (SSL)</a:t>
+              </a:r>
+            </a:p>
+          </p:txBody>
+        </p:sp>
+      </p:grpSp>
+      <p:sp>
+        <p:nvSpPr>
+          <p:cNvPr id="42" name="TextBox 41">
+            <a:extLst>
+              <a:ext uri="{FF2B5EF4-FFF2-40B4-BE49-F238E27FC236}">
+                <a16:creationId xmlns:a16="http://schemas.microsoft.com/office/drawing/2014/main" id="{45A06C7F-CE1D-0E9B-A634-944473A37153}"/>
+              </a:ext>
+            </a:extLst>
+          </p:cNvPr>
+          <p:cNvSpPr txBox="1"/>
+          <p:nvPr/>
+        </p:nvSpPr>
+        <p:spPr>
+          <a:xfrm>
+            <a:off x="3758413" y="2876299"/>
+            <a:ext cx="1528477" cy="200055"/>
+          </a:xfrm>
+          <a:prstGeom prst="rect">
+            <a:avLst/>
+          </a:prstGeom>
+          <a:noFill/>
+        </p:spPr>
+        <p:txBody>
+          <a:bodyPr wrap="square" rtlCol="0">
+            <a:spAutoFit/>
+          </a:bodyPr>
+          <a:lstStyle/>
+          <a:p>
+            <a:pPr algn="ctr"/>
+            <a:r>
+              <a:rPr lang="en-US" sz="700" dirty="0"/>
+              <a:t>SMTPS</a:t>
+            </a:r>
+            <a:endParaRPr lang="en-US" dirty="0"/>
+          </a:p>
+        </p:txBody>
+      </p:sp>
+      <p:sp>
+        <p:nvSpPr>
+          <p:cNvPr id="43" name="TextBox 42">
+            <a:extLst>
+              <a:ext uri="{FF2B5EF4-FFF2-40B4-BE49-F238E27FC236}">
+                <a16:creationId xmlns:a16="http://schemas.microsoft.com/office/drawing/2014/main" id="{D08E485E-F13A-583E-0E80-67EBDABBF0E9}"/>
+              </a:ext>
+            </a:extLst>
+          </p:cNvPr>
+          <p:cNvSpPr txBox="1"/>
+          <p:nvPr/>
+        </p:nvSpPr>
+        <p:spPr>
+          <a:xfrm>
+            <a:off x="3453058" y="4054508"/>
+            <a:ext cx="1528477" cy="200055"/>
+          </a:xfrm>
+          <a:prstGeom prst="rect">
+            <a:avLst/>
+          </a:prstGeom>
+          <a:noFill/>
+        </p:spPr>
+        <p:txBody>
+          <a:bodyPr wrap="square" rtlCol="0">
+            <a:spAutoFit/>
+          </a:bodyPr>
+          <a:lstStyle/>
+          <a:p>
+            <a:pPr algn="ctr"/>
+            <a:r>
+              <a:rPr lang="en-US" sz="700" dirty="0"/>
+              <a:t>HTTPS</a:t>
+            </a:r>
+            <a:endParaRPr lang="en-US" dirty="0"/>
+          </a:p>
+        </p:txBody>
+      </p:sp>
+      <p:sp>
+        <p:nvSpPr>
+          <p:cNvPr id="44" name="TextBox 43">
+            <a:extLst>
+              <a:ext uri="{FF2B5EF4-FFF2-40B4-BE49-F238E27FC236}">
+                <a16:creationId xmlns:a16="http://schemas.microsoft.com/office/drawing/2014/main" id="{B4375172-C271-AFEF-E6D2-12A575D62C30}"/>
+              </a:ext>
+            </a:extLst>
+          </p:cNvPr>
+          <p:cNvSpPr txBox="1"/>
+          <p:nvPr/>
+        </p:nvSpPr>
+        <p:spPr>
+          <a:xfrm>
+            <a:off x="6764246" y="4044268"/>
+            <a:ext cx="1528477" cy="200055"/>
+          </a:xfrm>
+          <a:prstGeom prst="rect">
+            <a:avLst/>
+          </a:prstGeom>
+          <a:noFill/>
+        </p:spPr>
+        <p:txBody>
+          <a:bodyPr wrap="square" rtlCol="0">
+            <a:spAutoFit/>
+          </a:bodyPr>
+          <a:lstStyle/>
+          <a:p>
+            <a:pPr algn="ctr"/>
+            <a:r>
+              <a:rPr lang="en-US" sz="700" dirty="0"/>
+              <a:t>HTTPS</a:t>
+            </a:r>
+            <a:endParaRPr lang="en-US" dirty="0"/>
+          </a:p>
+        </p:txBody>
+      </p:sp>
+      <p:sp>
+        <p:nvSpPr>
+          <p:cNvPr id="45" name="TextBox 44">
+            <a:extLst>
+              <a:ext uri="{FF2B5EF4-FFF2-40B4-BE49-F238E27FC236}">
+                <a16:creationId xmlns:a16="http://schemas.microsoft.com/office/drawing/2014/main" id="{9F72FEC0-8DC1-FD95-78CE-7AE9AB8DAEA4}"/>
+              </a:ext>
+            </a:extLst>
+          </p:cNvPr>
+          <p:cNvSpPr txBox="1"/>
+          <p:nvPr/>
+        </p:nvSpPr>
+        <p:spPr>
+          <a:xfrm>
+            <a:off x="5439290" y="1928474"/>
+            <a:ext cx="1528477" cy="200055"/>
+          </a:xfrm>
+          <a:prstGeom prst="rect">
+            <a:avLst/>
+          </a:prstGeom>
+          <a:noFill/>
+        </p:spPr>
+        <p:txBody>
+          <a:bodyPr wrap="square" rtlCol="0">
+            <a:spAutoFit/>
+          </a:bodyPr>
+          <a:lstStyle/>
+          <a:p>
+            <a:pPr algn="ctr"/>
+            <a:r>
+              <a:rPr lang="en-US" sz="700" dirty="0"/>
+              <a:t>HTTPS</a:t>
+            </a:r>
+            <a:endParaRPr lang="en-US" dirty="0"/>
+          </a:p>
+        </p:txBody>
+      </p:sp>
+      <p:sp>
+        <p:nvSpPr>
+          <p:cNvPr id="46" name="TextBox 45">
+            <a:extLst>
+              <a:ext uri="{FF2B5EF4-FFF2-40B4-BE49-F238E27FC236}">
+                <a16:creationId xmlns:a16="http://schemas.microsoft.com/office/drawing/2014/main" id="{12C94AEC-4A3D-5A47-832D-B37920AA7081}"/>
+              </a:ext>
+            </a:extLst>
+          </p:cNvPr>
+          <p:cNvSpPr txBox="1"/>
+          <p:nvPr/>
+        </p:nvSpPr>
+        <p:spPr>
+          <a:xfrm>
+            <a:off x="103682" y="3076572"/>
+            <a:ext cx="1733967" cy="507831"/>
+          </a:xfrm>
+          <a:prstGeom prst="rect">
+            <a:avLst/>
+          </a:prstGeom>
+          <a:noFill/>
+        </p:spPr>
+        <p:txBody>
+          <a:bodyPr wrap="square" rtlCol="0">
+            <a:spAutoFit/>
+          </a:bodyPr>
+          <a:lstStyle/>
+          <a:p>
+            <a:r>
+              <a:rPr lang="en-US" sz="900" b="1" u="sng" dirty="0">
+                <a:solidFill>
+                  <a:schemeClr val="accent1"/>
+                </a:solidFill>
+              </a:rPr>
+              <a:t>Clickhouse</a:t>
+            </a:r>
+            <a:br>
+              <a:rPr lang="en-US" sz="900" dirty="0"/>
+            </a:br>
+            <a:r>
+              <a:rPr lang="en-US" sz="600" dirty="0"/>
+              <a:t>Main analytics (OLAP) store. </a:t>
+            </a:r>
+          </a:p>
+          <a:p>
+            <a:r>
+              <a:rPr lang="en-US" sz="600" dirty="0"/>
+              <a:t>Stores a replica of the analyzed data. </a:t>
+            </a:r>
+          </a:p>
+          <a:p>
+            <a:r>
+              <a:rPr lang="en-US" sz="600" dirty="0"/>
+              <a:t>Tables are directly managed by KAWA server.</a:t>
+            </a:r>
+          </a:p>
+        </p:txBody>
+      </p:sp>
+      <p:sp>
+        <p:nvSpPr>
+          <p:cNvPr id="47" name="TextBox 46">
+            <a:extLst>
+              <a:ext uri="{FF2B5EF4-FFF2-40B4-BE49-F238E27FC236}">
+                <a16:creationId xmlns:a16="http://schemas.microsoft.com/office/drawing/2014/main" id="{1B08CA22-8946-C411-812F-44D273F33EC5}"/>
+              </a:ext>
+            </a:extLst>
+          </p:cNvPr>
+          <p:cNvSpPr txBox="1"/>
+          <p:nvPr/>
+        </p:nvSpPr>
+        <p:spPr>
+          <a:xfrm>
+            <a:off x="103681" y="3644457"/>
+            <a:ext cx="1733967" cy="415498"/>
+          </a:xfrm>
+          <a:prstGeom prst="rect">
+            <a:avLst/>
+          </a:prstGeom>
+          <a:noFill/>
+        </p:spPr>
+        <p:txBody>
+          <a:bodyPr wrap="square" rtlCol="0">
+            <a:spAutoFit/>
+          </a:bodyPr>
+          <a:lstStyle/>
+          <a:p>
+            <a:r>
+              <a:rPr lang="en-US" sz="900" b="1" u="sng" dirty="0">
+                <a:solidFill>
+                  <a:schemeClr val="accent1"/>
+                </a:solidFill>
+              </a:rPr>
+              <a:t>Postgres</a:t>
+            </a:r>
+            <a:br>
+              <a:rPr lang="en-US" sz="900" dirty="0"/>
+            </a:br>
+            <a:r>
+              <a:rPr lang="en-US" sz="600" dirty="0"/>
+              <a:t>Used as KAWA’s backoffice relational store.</a:t>
+            </a:r>
+          </a:p>
+          <a:p>
+            <a:r>
+              <a:rPr lang="en-US" sz="600" dirty="0"/>
+              <a:t>Stores every KAWA entity and audit events.</a:t>
+            </a:r>
+          </a:p>
+        </p:txBody>
+      </p:sp>
+      <p:sp>
+        <p:nvSpPr>
+          <p:cNvPr id="48" name="TextBox 47">
+            <a:extLst>
+              <a:ext uri="{FF2B5EF4-FFF2-40B4-BE49-F238E27FC236}">
+                <a16:creationId xmlns:a16="http://schemas.microsoft.com/office/drawing/2014/main" id="{CCDF3F75-C740-C1AC-00B4-DEF2F4804595}"/>
+              </a:ext>
+            </a:extLst>
+          </p:cNvPr>
+          <p:cNvSpPr txBox="1"/>
+          <p:nvPr/>
+        </p:nvSpPr>
+        <p:spPr>
+          <a:xfrm>
+            <a:off x="110519" y="398466"/>
+            <a:ext cx="1733967" cy="692497"/>
+          </a:xfrm>
+          <a:prstGeom prst="rect">
+            <a:avLst/>
+          </a:prstGeom>
+          <a:noFill/>
+        </p:spPr>
+        <p:txBody>
+          <a:bodyPr wrap="square" rtlCol="0">
+            <a:spAutoFit/>
+          </a:bodyPr>
+          <a:lstStyle/>
+          <a:p>
+            <a:r>
+              <a:rPr lang="en-US" sz="900" b="1" u="sng" dirty="0">
+                <a:solidFill>
+                  <a:srgbClr val="00B050"/>
+                </a:solidFill>
+              </a:rPr>
+              <a:t>SMTP Server</a:t>
+            </a:r>
+            <a:br>
+              <a:rPr lang="en-US" sz="900" dirty="0"/>
+            </a:br>
+            <a:r>
+              <a:rPr lang="en-US" sz="600" dirty="0"/>
+              <a:t>Necessary to onboard new users in the application when relying on KAWA’s internal user management system.</a:t>
+            </a:r>
+          </a:p>
+          <a:p>
+            <a:r>
+              <a:rPr lang="en-US" sz="600" dirty="0"/>
+              <a:t>Emails with automated reports are sent via this server as well.</a:t>
+            </a:r>
+          </a:p>
+        </p:txBody>
+      </p:sp>
+      <p:sp>
+        <p:nvSpPr>
+          <p:cNvPr id="49" name="TextBox 48">
+            <a:extLst>
+              <a:ext uri="{FF2B5EF4-FFF2-40B4-BE49-F238E27FC236}">
+                <a16:creationId xmlns:a16="http://schemas.microsoft.com/office/drawing/2014/main" id="{61448059-3EEC-7F54-ECE0-0E44E08BB261}"/>
+              </a:ext>
+            </a:extLst>
+          </p:cNvPr>
+          <p:cNvSpPr txBox="1"/>
+          <p:nvPr/>
+        </p:nvSpPr>
+        <p:spPr>
+          <a:xfrm>
+            <a:off x="105544" y="1134844"/>
+            <a:ext cx="1733967" cy="784830"/>
+          </a:xfrm>
+          <a:prstGeom prst="rect">
+            <a:avLst/>
+          </a:prstGeom>
+          <a:noFill/>
+        </p:spPr>
+        <p:txBody>
+          <a:bodyPr wrap="square" rtlCol="0">
+            <a:spAutoFit/>
+          </a:bodyPr>
+          <a:lstStyle/>
+          <a:p>
+            <a:r>
+              <a:rPr lang="en-US" sz="900" b="1" u="sng" dirty="0">
+                <a:solidFill>
+                  <a:srgbClr val="00B050"/>
+                </a:solidFill>
+              </a:rPr>
+              <a:t>Data Providers</a:t>
+            </a:r>
+            <a:br>
+              <a:rPr lang="en-US" sz="900" dirty="0"/>
+            </a:br>
+            <a:r>
+              <a:rPr lang="en-US" sz="600" dirty="0"/>
+              <a:t>Will be configured by the administrators of KAWA via the admin GUI / Python client.</a:t>
+            </a:r>
+          </a:p>
+          <a:p>
+            <a:r>
+              <a:rPr lang="en-US" sz="600" dirty="0"/>
+              <a:t>Those can be databases such as Oracle or MS SQL or REST APIS, etc..</a:t>
+            </a:r>
+          </a:p>
+          <a:p>
+            <a:r>
+              <a:rPr lang="en-US" sz="600" dirty="0"/>
+              <a:t>Data from these systems will be replicated into the Clickhouse store.</a:t>
+            </a:r>
+          </a:p>
+        </p:txBody>
+      </p:sp>
+      <p:sp>
+        <p:nvSpPr>
+          <p:cNvPr id="50" name="TextBox 49">
+            <a:extLst>
+              <a:ext uri="{FF2B5EF4-FFF2-40B4-BE49-F238E27FC236}">
+                <a16:creationId xmlns:a16="http://schemas.microsoft.com/office/drawing/2014/main" id="{08151DD0-3B0A-395B-9CC0-EBA896C1A6ED}"/>
+              </a:ext>
+            </a:extLst>
+          </p:cNvPr>
+          <p:cNvSpPr txBox="1"/>
+          <p:nvPr/>
+        </p:nvSpPr>
+        <p:spPr>
+          <a:xfrm>
+            <a:off x="105544" y="1951969"/>
+            <a:ext cx="1733967" cy="600164"/>
+          </a:xfrm>
+          <a:prstGeom prst="rect">
+            <a:avLst/>
+          </a:prstGeom>
+          <a:noFill/>
+        </p:spPr>
+        <p:txBody>
+          <a:bodyPr wrap="square" rtlCol="0">
+            <a:spAutoFit/>
+          </a:bodyPr>
+          <a:lstStyle/>
+          <a:p>
+            <a:r>
+              <a:rPr lang="en-US" sz="900" b="1" u="sng" dirty="0">
+                <a:solidFill>
+                  <a:srgbClr val="00B050"/>
+                </a:solidFill>
+              </a:rPr>
+              <a:t>Secret Manager</a:t>
+            </a:r>
+            <a:br>
+              <a:rPr lang="en-US" sz="900" dirty="0"/>
+            </a:br>
+            <a:r>
+              <a:rPr lang="en-US" sz="600" dirty="0"/>
+              <a:t>KAWA uses HashiCorp Vault as a secret manager to store its private keys, certificates and encryption suites (used to encrypt sensitive information in its Postgres store).</a:t>
+            </a:r>
+          </a:p>
+        </p:txBody>
+      </p:sp>
+      <p:sp>
+        <p:nvSpPr>
+          <p:cNvPr id="51" name="Rectangle 50">
+            <a:extLst>
+              <a:ext uri="{FF2B5EF4-FFF2-40B4-BE49-F238E27FC236}">
+                <a16:creationId xmlns:a16="http://schemas.microsoft.com/office/drawing/2014/main" id="{B61D2A17-617E-EE15-50AE-A7AEA97C754B}"/>
+              </a:ext>
+            </a:extLst>
+          </p:cNvPr>
+          <p:cNvSpPr/>
+          <p:nvPr/>
+        </p:nvSpPr>
+        <p:spPr>
+          <a:xfrm>
+            <a:off x="-17078" y="4263171"/>
+            <a:ext cx="2129995" cy="336891"/>
+          </a:xfrm>
+          <a:prstGeom prst="rect">
+            <a:avLst/>
+          </a:prstGeom>
+          <a:solidFill>
+            <a:schemeClr val="accent5">
+              <a:lumMod val="20000"/>
+              <a:lumOff val="80000"/>
+            </a:schemeClr>
+          </a:solidFill>
+          <a:ln w="3175">
+            <a:solidFill>
+              <a:srgbClr val="0070C0"/>
+            </a:solidFill>
+          </a:ln>
+        </p:spPr>
+        <p:style>
+          <a:lnRef idx="2">
+            <a:schemeClr val="accent1">
+              <a:shade val="50000"/>
+            </a:schemeClr>
+          </a:lnRef>
+          <a:fillRef idx="1">
+            <a:schemeClr val="accent1"/>
+          </a:fillRef>
+          <a:effectRef idx="0">
+            <a:schemeClr val="accent1"/>
+          </a:effectRef>
+          <a:fontRef idx="minor">
+            <a:schemeClr val="lt1"/>
+          </a:fontRef>
+        </p:style>
+        <p:txBody>
+          <a:bodyPr rtlCol="0" anchor="ctr"/>
+          <a:lstStyle/>
+          <a:p>
+            <a:pPr algn="ctr"/>
+            <a:r>
+              <a:rPr lang="en-US" sz="800" dirty="0">
+                <a:solidFill>
+                  <a:schemeClr val="accent1"/>
+                </a:solidFill>
+              </a:rPr>
+              <a:t>Kawa  REST clients</a:t>
+            </a:r>
+          </a:p>
+        </p:txBody>
+      </p:sp>
+      <p:sp>
+        <p:nvSpPr>
+          <p:cNvPr id="52" name="TextBox 51">
+            <a:extLst>
+              <a:ext uri="{FF2B5EF4-FFF2-40B4-BE49-F238E27FC236}">
+                <a16:creationId xmlns:a16="http://schemas.microsoft.com/office/drawing/2014/main" id="{87D7BAFB-652C-3A38-8FD1-914FBC1C87C2}"/>
+              </a:ext>
+            </a:extLst>
+          </p:cNvPr>
+          <p:cNvSpPr txBox="1"/>
+          <p:nvPr/>
+        </p:nvSpPr>
+        <p:spPr>
+          <a:xfrm>
+            <a:off x="92636" y="4697777"/>
+            <a:ext cx="1733967" cy="877163"/>
+          </a:xfrm>
+          <a:prstGeom prst="rect">
+            <a:avLst/>
+          </a:prstGeom>
+          <a:noFill/>
+        </p:spPr>
+        <p:txBody>
+          <a:bodyPr wrap="square" rtlCol="0">
+            <a:spAutoFit/>
+          </a:bodyPr>
+          <a:lstStyle/>
+          <a:p>
+            <a:r>
+              <a:rPr lang="en-US" sz="900" b="1" u="sng" dirty="0">
+                <a:solidFill>
+                  <a:schemeClr val="accent5"/>
+                </a:solidFill>
+              </a:rPr>
+              <a:t>Web clients</a:t>
+            </a:r>
+            <a:br>
+              <a:rPr lang="en-US" sz="900" dirty="0"/>
+            </a:br>
+            <a:r>
+              <a:rPr lang="en-US" sz="600" dirty="0"/>
+              <a:t>Web clients are Single Page Web application (JavaScript) .</a:t>
+            </a:r>
+          </a:p>
+          <a:p>
+            <a:r>
+              <a:rPr lang="en-US" sz="600" dirty="0"/>
+              <a:t>- </a:t>
+            </a:r>
+            <a:r>
+              <a:rPr lang="en-US" sz="600" b="1" dirty="0"/>
+              <a:t>USER:</a:t>
+            </a:r>
+            <a:r>
+              <a:rPr lang="en-US" sz="600" dirty="0"/>
+              <a:t> the main Front end for KAWA users where the can configure, run and share analytics.</a:t>
+            </a:r>
+          </a:p>
+          <a:p>
+            <a:r>
+              <a:rPr lang="en-US" sz="600" dirty="0"/>
+              <a:t>- </a:t>
+            </a:r>
+            <a:r>
+              <a:rPr lang="en-US" sz="600" b="1" dirty="0"/>
+              <a:t>ADMIN:</a:t>
+            </a:r>
+            <a:r>
+              <a:rPr lang="en-US" sz="600" dirty="0"/>
+              <a:t> The backoffice front end to allow admins to configure permissions, data providers etc.</a:t>
+            </a:r>
+          </a:p>
+        </p:txBody>
+      </p:sp>
+      <p:sp>
+        <p:nvSpPr>
+          <p:cNvPr id="53" name="TextBox 52">
+            <a:extLst>
+              <a:ext uri="{FF2B5EF4-FFF2-40B4-BE49-F238E27FC236}">
+                <a16:creationId xmlns:a16="http://schemas.microsoft.com/office/drawing/2014/main" id="{26826679-B693-222F-A997-56C81084BBC5}"/>
+              </a:ext>
+            </a:extLst>
+          </p:cNvPr>
+          <p:cNvSpPr txBox="1"/>
+          <p:nvPr/>
+        </p:nvSpPr>
+        <p:spPr>
+          <a:xfrm>
+            <a:off x="92635" y="5536478"/>
+            <a:ext cx="1733967" cy="507831"/>
+          </a:xfrm>
+          <a:prstGeom prst="rect">
+            <a:avLst/>
+          </a:prstGeom>
+          <a:noFill/>
+        </p:spPr>
+        <p:txBody>
+          <a:bodyPr wrap="square" rtlCol="0">
+            <a:spAutoFit/>
+          </a:bodyPr>
+          <a:lstStyle/>
+          <a:p>
+            <a:r>
+              <a:rPr lang="en-US" sz="900" b="1" u="sng" dirty="0">
+                <a:solidFill>
+                  <a:schemeClr val="accent5"/>
+                </a:solidFill>
+              </a:rPr>
+              <a:t>Python clients</a:t>
+            </a:r>
+            <a:br>
+              <a:rPr lang="en-US" sz="900" dirty="0"/>
+            </a:br>
+            <a:r>
+              <a:rPr lang="en-US" sz="600" dirty="0"/>
+              <a:t>Python clients connect to KAWA’s server through its REST API. The allow users to load data into KAWA and perform all the admin tasks.</a:t>
+            </a:r>
+          </a:p>
+        </p:txBody>
+      </p:sp>
+      <p:sp>
+        <p:nvSpPr>
+          <p:cNvPr id="54" name="TextBox 53">
+            <a:extLst>
+              <a:ext uri="{FF2B5EF4-FFF2-40B4-BE49-F238E27FC236}">
+                <a16:creationId xmlns:a16="http://schemas.microsoft.com/office/drawing/2014/main" id="{34DCE4F2-C9A0-6C77-0DC8-52307645B6DF}"/>
+              </a:ext>
+            </a:extLst>
+          </p:cNvPr>
+          <p:cNvSpPr txBox="1"/>
+          <p:nvPr/>
+        </p:nvSpPr>
+        <p:spPr>
+          <a:xfrm>
+            <a:off x="-17080" y="23629"/>
+            <a:ext cx="12209079" cy="369332"/>
+          </a:xfrm>
+          <a:prstGeom prst="rect">
+            <a:avLst/>
+          </a:prstGeom>
+          <a:noFill/>
+        </p:spPr>
+        <p:txBody>
+          <a:bodyPr wrap="square" rtlCol="0">
+            <a:spAutoFit/>
+          </a:bodyPr>
+          <a:lstStyle/>
+          <a:p>
+            <a:pPr algn="ctr"/>
+            <a:r>
+              <a:rPr lang="en-US" dirty="0">
+                <a:solidFill>
+                  <a:srgbClr val="0060FE"/>
+                </a:solidFill>
+              </a:rPr>
+              <a:t>High level System Architecture</a:t>
+            </a:r>
+          </a:p>
+        </p:txBody>
+      </p:sp>
+      <p:pic>
+        <p:nvPicPr>
+          <p:cNvPr id="55" name="image1.png">
+            <a:extLst>
+              <a:ext uri="{FF2B5EF4-FFF2-40B4-BE49-F238E27FC236}">
+                <a16:creationId xmlns:a16="http://schemas.microsoft.com/office/drawing/2014/main" id="{4E8C30F5-FE5D-4C93-1277-B770828D6E48}"/>
+              </a:ext>
+            </a:extLst>
+          </p:cNvPr>
+          <p:cNvPicPr/>
+          <p:nvPr/>
+        </p:nvPicPr>
+        <p:blipFill>
+          <a:blip r:embed="rId2"/>
+          <a:srcRect/>
+          <a:stretch>
+            <a:fillRect/>
+          </a:stretch>
+        </p:blipFill>
+        <p:spPr>
+          <a:xfrm>
+            <a:off x="10748509" y="6460035"/>
+            <a:ext cx="1337945" cy="342900"/>
+          </a:xfrm>
+          <a:prstGeom prst="rect">
+            <a:avLst/>
+          </a:prstGeom>
+          <a:ln/>
+        </p:spPr>
+      </p:pic>
+    </p:spTree>
+    <p:extLst>
+      <p:ext uri="{BB962C8B-B14F-4D97-AF65-F5344CB8AC3E}">
+        <p14:creationId xmlns:p14="http://schemas.microsoft.com/office/powerpoint/2010/main" val="524357463"/>
       </p:ext>
     </p:extLst>
   </p:cSld>
